--- a/chapter.2/ppt/ML_CH2.3_Naive_Bayes.pptx
+++ b/chapter.2/ppt/ML_CH2.3_Naive_Bayes.pptx
@@ -26,7 +26,12 @@
     <p:sldId id="310" r:id="rId20"/>
     <p:sldId id="312" r:id="rId21"/>
     <p:sldId id="313" r:id="rId22"/>
-    <p:sldId id="294" r:id="rId23"/>
+    <p:sldId id="314" r:id="rId23"/>
+    <p:sldId id="315" r:id="rId24"/>
+    <p:sldId id="316" r:id="rId25"/>
+    <p:sldId id="317" r:id="rId26"/>
+    <p:sldId id="318" r:id="rId27"/>
+    <p:sldId id="294" r:id="rId28"/>
   </p:sldIdLst>
   <p:sldSz cx="9144000" cy="6858000" type="screen4x3"/>
   <p:notesSz cx="6858000" cy="9144000"/>
@@ -17394,6 +17399,56 @@
           </a:prstGeom>
         </p:spPr>
       </p:pic>
+      <p:sp>
+        <p:nvSpPr>
+          <p:cNvPr id="6" name="TextBox 5">
+            <a:extLst>
+              <a:ext uri="{FF2B5EF4-FFF2-40B4-BE49-F238E27FC236}">
+                <a16:creationId xmlns:a16="http://schemas.microsoft.com/office/drawing/2014/main" id="{D37193C6-1882-4768-9BBC-BE2F1B895809}"/>
+              </a:ext>
+            </a:extLst>
+          </p:cNvPr>
+          <p:cNvSpPr txBox="1"/>
+          <p:nvPr/>
+        </p:nvSpPr>
+        <p:spPr>
+          <a:xfrm>
+            <a:off x="3419872" y="4699499"/>
+            <a:ext cx="2304256" cy="1015663"/>
+          </a:xfrm>
+          <a:prstGeom prst="rect">
+            <a:avLst/>
+          </a:prstGeom>
+          <a:noFill/>
+        </p:spPr>
+        <p:txBody>
+          <a:bodyPr wrap="square">
+            <a:spAutoFit/>
+          </a:bodyPr>
+          <a:lstStyle/>
+          <a:p>
+            <a:pPr>
+              <a:defRPr/>
+            </a:pPr>
+            <a:r>
+              <a:rPr lang="zh-CN" altLang="en-US" sz="6000" dirty="0">
+                <a:solidFill>
+                  <a:schemeClr val="bg1"/>
+                </a:solidFill>
+                <a:latin typeface="微软雅黑" pitchFamily="34" charset="-122"/>
+                <a:ea typeface="微软雅黑" pitchFamily="34" charset="-122"/>
+              </a:rPr>
+              <a:t>不嫁！</a:t>
+            </a:r>
+            <a:endParaRPr lang="en-US" sz="3200" dirty="0">
+              <a:solidFill>
+                <a:srgbClr val="FFC000"/>
+              </a:solidFill>
+              <a:latin typeface="Arial" charset="0"/>
+            </a:endParaRPr>
+          </a:p>
+        </p:txBody>
+      </p:sp>
     </p:spTree>
     <p:extLst>
       <p:ext uri="{BB962C8B-B14F-4D97-AF65-F5344CB8AC3E}">
@@ -17518,6 +17573,59 @@
                       </p:childTnLst>
                     </p:cTn>
                   </p:par>
+                  <p:par>
+                    <p:cTn id="13" fill="hold">
+                      <p:stCondLst>
+                        <p:cond delay="indefinite"/>
+                      </p:stCondLst>
+                      <p:childTnLst>
+                        <p:par>
+                          <p:cTn id="14" fill="hold">
+                            <p:stCondLst>
+                              <p:cond delay="0"/>
+                            </p:stCondLst>
+                            <p:childTnLst>
+                              <p:par>
+                                <p:cTn id="15" presetID="10" presetClass="entr" presetSubtype="0" fill="hold" grpId="0" nodeType="clickEffect">
+                                  <p:stCondLst>
+                                    <p:cond delay="0"/>
+                                  </p:stCondLst>
+                                  <p:childTnLst>
+                                    <p:set>
+                                      <p:cBhvr>
+                                        <p:cTn id="16" dur="1" fill="hold">
+                                          <p:stCondLst>
+                                            <p:cond delay="0"/>
+                                          </p:stCondLst>
+                                        </p:cTn>
+                                        <p:tgtEl>
+                                          <p:spTgt spid="6"/>
+                                        </p:tgtEl>
+                                        <p:attrNameLst>
+                                          <p:attrName>style.visibility</p:attrName>
+                                        </p:attrNameLst>
+                                      </p:cBhvr>
+                                      <p:to>
+                                        <p:strVal val="visible"/>
+                                      </p:to>
+                                    </p:set>
+                                    <p:animEffect transition="in" filter="fade">
+                                      <p:cBhvr>
+                                        <p:cTn id="17" dur="500"/>
+                                        <p:tgtEl>
+                                          <p:spTgt spid="6"/>
+                                        </p:tgtEl>
+                                      </p:cBhvr>
+                                    </p:animEffect>
+                                  </p:childTnLst>
+                                </p:cTn>
+                              </p:par>
+                            </p:childTnLst>
+                          </p:cTn>
+                        </p:par>
+                      </p:childTnLst>
+                    </p:cTn>
+                  </p:par>
                 </p:childTnLst>
               </p:cTn>
               <p:prevCondLst>
@@ -17541,12 +17649,2337 @@
     </p:tnLst>
     <p:bldLst>
       <p:bldP spid="33" grpId="0"/>
+      <p:bldP spid="6" grpId="0"/>
     </p:bldLst>
   </p:timing>
 </p:sld>
 </file>
 
 <file path=ppt/slides/slide21.xml><?xml version="1.0" encoding="utf-8"?>
+<p:sld xmlns:a="http://schemas.openxmlformats.org/drawingml/2006/main" xmlns:r="http://schemas.openxmlformats.org/officeDocument/2006/relationships" xmlns:p="http://schemas.openxmlformats.org/presentationml/2006/main">
+  <p:cSld>
+    <p:spTree>
+      <p:nvGrpSpPr>
+        <p:cNvPr id="1" name=""/>
+        <p:cNvGrpSpPr/>
+        <p:nvPr/>
+      </p:nvGrpSpPr>
+      <p:grpSpPr>
+        <a:xfrm>
+          <a:off x="0" y="0"/>
+          <a:ext cx="0" cy="0"/>
+          <a:chOff x="0" y="0"/>
+          <a:chExt cx="0" cy="0"/>
+        </a:xfrm>
+      </p:grpSpPr>
+      <p:sp>
+        <p:nvSpPr>
+          <p:cNvPr id="5122" name="Rectangle 2">
+            <a:extLst>
+              <a:ext uri="{FF2B5EF4-FFF2-40B4-BE49-F238E27FC236}">
+                <a16:creationId xmlns:a16="http://schemas.microsoft.com/office/drawing/2014/main" id="{DA0A6638-A01B-4ADE-AF93-1C7B857D9914}"/>
+              </a:ext>
+            </a:extLst>
+          </p:cNvPr>
+          <p:cNvSpPr>
+            <a:spLocks noGrp="1" noChangeArrowheads="1"/>
+          </p:cNvSpPr>
+          <p:nvPr>
+            <p:ph type="ctrTitle"/>
+          </p:nvPr>
+        </p:nvSpPr>
+        <p:spPr>
+          <a:xfrm>
+            <a:off x="684213" y="2133600"/>
+            <a:ext cx="7847012" cy="2159000"/>
+          </a:xfrm>
+        </p:spPr>
+        <p:txBody>
+          <a:bodyPr/>
+          <a:lstStyle/>
+          <a:p>
+            <a:pPr eaLnBrk="1" hangingPunct="1"/>
+            <a:br>
+              <a:rPr lang="en-US" altLang="zh-CN" sz="8000" dirty="0">
+                <a:solidFill>
+                  <a:schemeClr val="bg1"/>
+                </a:solidFill>
+                <a:ea typeface="微软雅黑" panose="020B0503020204020204" pitchFamily="34" charset="-122"/>
+              </a:rPr>
+            </a:br>
+            <a:r>
+              <a:rPr lang="en-US" altLang="zh-CN" sz="8000" dirty="0">
+                <a:solidFill>
+                  <a:schemeClr val="bg1"/>
+                </a:solidFill>
+                <a:ea typeface="微软雅黑" panose="020B0503020204020204" pitchFamily="34" charset="-122"/>
+              </a:rPr>
+              <a:t>  </a:t>
+            </a:r>
+            <a:r>
+              <a:rPr lang="zh-CN" altLang="en-US" sz="6600" dirty="0">
+                <a:solidFill>
+                  <a:schemeClr val="bg1"/>
+                </a:solidFill>
+                <a:ea typeface="微软雅黑" panose="020B0503020204020204" pitchFamily="34" charset="-122"/>
+              </a:rPr>
+              <a:t>朴素贝叶斯，</a:t>
+            </a:r>
+            <a:br>
+              <a:rPr lang="en-US" altLang="zh-CN" sz="6600" dirty="0">
+                <a:solidFill>
+                  <a:schemeClr val="bg1"/>
+                </a:solidFill>
+                <a:ea typeface="微软雅黑" panose="020B0503020204020204" pitchFamily="34" charset="-122"/>
+              </a:rPr>
+            </a:br>
+            <a:r>
+              <a:rPr lang="en-US" altLang="zh-CN" sz="6600" dirty="0">
+                <a:solidFill>
+                  <a:schemeClr val="bg1"/>
+                </a:solidFill>
+                <a:ea typeface="微软雅黑" panose="020B0503020204020204" pitchFamily="34" charset="-122"/>
+              </a:rPr>
+              <a:t>Naive</a:t>
+            </a:r>
+            <a:r>
+              <a:rPr lang="zh-CN" altLang="en-US" sz="6600" dirty="0">
+                <a:solidFill>
+                  <a:schemeClr val="bg1"/>
+                </a:solidFill>
+                <a:ea typeface="微软雅黑" panose="020B0503020204020204" pitchFamily="34" charset="-122"/>
+              </a:rPr>
+              <a:t>在哪</a:t>
+            </a:r>
+            <a:r>
+              <a:rPr lang="en-US" altLang="zh-CN" sz="6600" dirty="0">
+                <a:solidFill>
+                  <a:schemeClr val="bg1"/>
+                </a:solidFill>
+                <a:ea typeface="微软雅黑" panose="020B0503020204020204" pitchFamily="34" charset="-122"/>
+              </a:rPr>
+              <a:t>?</a:t>
+            </a:r>
+            <a:br>
+              <a:rPr lang="zh-CN" altLang="en-US" sz="7200" dirty="0">
+                <a:solidFill>
+                  <a:schemeClr val="bg1"/>
+                </a:solidFill>
+                <a:ea typeface="微软雅黑" panose="020B0503020204020204" pitchFamily="34" charset="-122"/>
+              </a:rPr>
+            </a:br>
+            <a:endParaRPr lang="zh-CN" altLang="en-US" sz="7200" dirty="0">
+              <a:solidFill>
+                <a:schemeClr val="bg1"/>
+              </a:solidFill>
+              <a:ea typeface="微软雅黑" panose="020B0503020204020204" pitchFamily="34" charset="-122"/>
+            </a:endParaRPr>
+          </a:p>
+        </p:txBody>
+      </p:sp>
+    </p:spTree>
+    <p:extLst>
+      <p:ext uri="{BB962C8B-B14F-4D97-AF65-F5344CB8AC3E}">
+        <p14:creationId xmlns:p14="http://schemas.microsoft.com/office/powerpoint/2010/main" val="823808201"/>
+      </p:ext>
+    </p:extLst>
+  </p:cSld>
+  <p:clrMapOvr>
+    <a:masterClrMapping/>
+  </p:clrMapOvr>
+</p:sld>
+</file>
+
+<file path=ppt/slides/slide22.xml><?xml version="1.0" encoding="utf-8"?>
+<p:sld xmlns:a="http://schemas.openxmlformats.org/drawingml/2006/main" xmlns:r="http://schemas.openxmlformats.org/officeDocument/2006/relationships" xmlns:p="http://schemas.openxmlformats.org/presentationml/2006/main">
+  <p:cSld>
+    <p:spTree>
+      <p:nvGrpSpPr>
+        <p:cNvPr id="1" name=""/>
+        <p:cNvGrpSpPr/>
+        <p:nvPr/>
+      </p:nvGrpSpPr>
+      <p:grpSpPr>
+        <a:xfrm>
+          <a:off x="0" y="0"/>
+          <a:ext cx="0" cy="0"/>
+          <a:chOff x="0" y="0"/>
+          <a:chExt cx="0" cy="0"/>
+        </a:xfrm>
+      </p:grpSpPr>
+      <p:sp>
+        <p:nvSpPr>
+          <p:cNvPr id="4098" name="TextBox 2">
+            <a:extLst>
+              <a:ext uri="{FF2B5EF4-FFF2-40B4-BE49-F238E27FC236}">
+                <a16:creationId xmlns:a16="http://schemas.microsoft.com/office/drawing/2014/main" id="{5552ED83-0001-4E47-A09B-F49C592A8E24}"/>
+              </a:ext>
+            </a:extLst>
+          </p:cNvPr>
+          <p:cNvSpPr txBox="1">
+            <a:spLocks noChangeArrowheads="1"/>
+          </p:cNvSpPr>
+          <p:nvPr/>
+        </p:nvSpPr>
+        <p:spPr bwMode="auto">
+          <a:xfrm>
+            <a:off x="13610" y="0"/>
+            <a:ext cx="6913562" cy="830997"/>
+          </a:xfrm>
+          <a:prstGeom prst="rect">
+            <a:avLst/>
+          </a:prstGeom>
+          <a:noFill/>
+          <a:ln>
+            <a:noFill/>
+          </a:ln>
+          <a:extLst>
+            <a:ext uri="{909E8E84-426E-40DD-AFC4-6F175D3DCCD1}">
+              <a14:hiddenFill xmlns:a14="http://schemas.microsoft.com/office/drawing/2010/main">
+                <a:solidFill>
+                  <a:srgbClr val="FFFFFF"/>
+                </a:solidFill>
+              </a14:hiddenFill>
+            </a:ext>
+            <a:ext uri="{91240B29-F687-4F45-9708-019B960494DF}">
+              <a14:hiddenLine xmlns:a14="http://schemas.microsoft.com/office/drawing/2010/main" w="9525">
+                <a:solidFill>
+                  <a:srgbClr val="000000"/>
+                </a:solidFill>
+                <a:miter lim="800000"/>
+                <a:headEnd/>
+                <a:tailEnd/>
+              </a14:hiddenLine>
+            </a:ext>
+          </a:extLst>
+        </p:spPr>
+        <p:txBody>
+          <a:bodyPr>
+            <a:spAutoFit/>
+          </a:bodyPr>
+          <a:lstStyle>
+            <a:lvl1pPr eaLnBrk="0" hangingPunct="0">
+              <a:defRPr>
+                <a:solidFill>
+                  <a:schemeClr val="tx1"/>
+                </a:solidFill>
+                <a:latin typeface="Arial" panose="020B0604020202020204" pitchFamily="34" charset="0"/>
+                <a:ea typeface="宋体" panose="02010600030101010101" pitchFamily="2" charset="-122"/>
+              </a:defRPr>
+            </a:lvl1pPr>
+            <a:lvl2pPr marL="742950" indent="-285750" eaLnBrk="0" hangingPunct="0">
+              <a:defRPr>
+                <a:solidFill>
+                  <a:schemeClr val="tx1"/>
+                </a:solidFill>
+                <a:latin typeface="Arial" panose="020B0604020202020204" pitchFamily="34" charset="0"/>
+                <a:ea typeface="宋体" panose="02010600030101010101" pitchFamily="2" charset="-122"/>
+              </a:defRPr>
+            </a:lvl2pPr>
+            <a:lvl3pPr marL="1143000" indent="-228600" eaLnBrk="0" hangingPunct="0">
+              <a:defRPr>
+                <a:solidFill>
+                  <a:schemeClr val="tx1"/>
+                </a:solidFill>
+                <a:latin typeface="Arial" panose="020B0604020202020204" pitchFamily="34" charset="0"/>
+                <a:ea typeface="宋体" panose="02010600030101010101" pitchFamily="2" charset="-122"/>
+              </a:defRPr>
+            </a:lvl3pPr>
+            <a:lvl4pPr marL="1600200" indent="-228600" eaLnBrk="0" hangingPunct="0">
+              <a:defRPr>
+                <a:solidFill>
+                  <a:schemeClr val="tx1"/>
+                </a:solidFill>
+                <a:latin typeface="Arial" panose="020B0604020202020204" pitchFamily="34" charset="0"/>
+                <a:ea typeface="宋体" panose="02010600030101010101" pitchFamily="2" charset="-122"/>
+              </a:defRPr>
+            </a:lvl4pPr>
+            <a:lvl5pPr marL="2057400" indent="-228600" eaLnBrk="0" hangingPunct="0">
+              <a:defRPr>
+                <a:solidFill>
+                  <a:schemeClr val="tx1"/>
+                </a:solidFill>
+                <a:latin typeface="Arial" panose="020B0604020202020204" pitchFamily="34" charset="0"/>
+                <a:ea typeface="宋体" panose="02010600030101010101" pitchFamily="2" charset="-122"/>
+              </a:defRPr>
+            </a:lvl5pPr>
+            <a:lvl6pPr marL="2514600" indent="-228600" eaLnBrk="0" fontAlgn="base" hangingPunct="0">
+              <a:spcBef>
+                <a:spcPct val="0"/>
+              </a:spcBef>
+              <a:spcAft>
+                <a:spcPct val="0"/>
+              </a:spcAft>
+              <a:defRPr>
+                <a:solidFill>
+                  <a:schemeClr val="tx1"/>
+                </a:solidFill>
+                <a:latin typeface="Arial" panose="020B0604020202020204" pitchFamily="34" charset="0"/>
+                <a:ea typeface="宋体" panose="02010600030101010101" pitchFamily="2" charset="-122"/>
+              </a:defRPr>
+            </a:lvl6pPr>
+            <a:lvl7pPr marL="2971800" indent="-228600" eaLnBrk="0" fontAlgn="base" hangingPunct="0">
+              <a:spcBef>
+                <a:spcPct val="0"/>
+              </a:spcBef>
+              <a:spcAft>
+                <a:spcPct val="0"/>
+              </a:spcAft>
+              <a:defRPr>
+                <a:solidFill>
+                  <a:schemeClr val="tx1"/>
+                </a:solidFill>
+                <a:latin typeface="Arial" panose="020B0604020202020204" pitchFamily="34" charset="0"/>
+                <a:ea typeface="宋体" panose="02010600030101010101" pitchFamily="2" charset="-122"/>
+              </a:defRPr>
+            </a:lvl7pPr>
+            <a:lvl8pPr marL="3429000" indent="-228600" eaLnBrk="0" fontAlgn="base" hangingPunct="0">
+              <a:spcBef>
+                <a:spcPct val="0"/>
+              </a:spcBef>
+              <a:spcAft>
+                <a:spcPct val="0"/>
+              </a:spcAft>
+              <a:defRPr>
+                <a:solidFill>
+                  <a:schemeClr val="tx1"/>
+                </a:solidFill>
+                <a:latin typeface="Arial" panose="020B0604020202020204" pitchFamily="34" charset="0"/>
+                <a:ea typeface="宋体" panose="02010600030101010101" pitchFamily="2" charset="-122"/>
+              </a:defRPr>
+            </a:lvl8pPr>
+            <a:lvl9pPr marL="3886200" indent="-228600" eaLnBrk="0" fontAlgn="base" hangingPunct="0">
+              <a:spcBef>
+                <a:spcPct val="0"/>
+              </a:spcBef>
+              <a:spcAft>
+                <a:spcPct val="0"/>
+              </a:spcAft>
+              <a:defRPr>
+                <a:solidFill>
+                  <a:schemeClr val="tx1"/>
+                </a:solidFill>
+                <a:latin typeface="Arial" panose="020B0604020202020204" pitchFamily="34" charset="0"/>
+                <a:ea typeface="宋体" panose="02010600030101010101" pitchFamily="2" charset="-122"/>
+              </a:defRPr>
+            </a:lvl9pPr>
+          </a:lstStyle>
+          <a:p>
+            <a:pPr eaLnBrk="1" hangingPunct="1"/>
+            <a:r>
+              <a:rPr lang="en-US" altLang="zh-CN" sz="4800" dirty="0">
+                <a:solidFill>
+                  <a:schemeClr val="bg1"/>
+                </a:solidFill>
+                <a:ea typeface="微软雅黑" panose="020B0503020204020204" pitchFamily="34" charset="-122"/>
+              </a:rPr>
+              <a:t>Naive</a:t>
+            </a:r>
+            <a:r>
+              <a:rPr lang="zh-CN" altLang="en-US" sz="4800" dirty="0">
+                <a:solidFill>
+                  <a:schemeClr val="bg1"/>
+                </a:solidFill>
+                <a:ea typeface="微软雅黑" panose="020B0503020204020204" pitchFamily="34" charset="-122"/>
+              </a:rPr>
+              <a:t>在哪</a:t>
+            </a:r>
+            <a:r>
+              <a:rPr lang="en-US" altLang="zh-CN" sz="4800" dirty="0">
+                <a:solidFill>
+                  <a:schemeClr val="bg1"/>
+                </a:solidFill>
+                <a:ea typeface="微软雅黑" panose="020B0503020204020204" pitchFamily="34" charset="-122"/>
+              </a:rPr>
+              <a:t>?</a:t>
+            </a:r>
+            <a:endParaRPr lang="zh-CN" altLang="en-US" sz="4800" dirty="0">
+              <a:solidFill>
+                <a:schemeClr val="bg1"/>
+              </a:solidFill>
+              <a:latin typeface="微软雅黑" panose="020B0503020204020204" pitchFamily="34" charset="-122"/>
+              <a:ea typeface="微软雅黑" panose="020B0503020204020204" pitchFamily="34" charset="-122"/>
+            </a:endParaRPr>
+          </a:p>
+        </p:txBody>
+      </p:sp>
+      <p:sp>
+        <p:nvSpPr>
+          <p:cNvPr id="5" name="TextBox 4">
+            <a:extLst>
+              <a:ext uri="{FF2B5EF4-FFF2-40B4-BE49-F238E27FC236}">
+                <a16:creationId xmlns:a16="http://schemas.microsoft.com/office/drawing/2014/main" id="{E8A991AE-3688-4E36-95ED-0003B8B99099}"/>
+              </a:ext>
+            </a:extLst>
+          </p:cNvPr>
+          <p:cNvSpPr txBox="1"/>
+          <p:nvPr/>
+        </p:nvSpPr>
+        <p:spPr>
+          <a:xfrm>
+            <a:off x="0" y="807815"/>
+            <a:ext cx="9144000" cy="2215991"/>
+          </a:xfrm>
+          <a:prstGeom prst="rect">
+            <a:avLst/>
+          </a:prstGeom>
+          <a:noFill/>
+        </p:spPr>
+        <p:txBody>
+          <a:bodyPr wrap="square">
+            <a:spAutoFit/>
+          </a:bodyPr>
+          <a:lstStyle/>
+          <a:p>
+            <a:pPr>
+              <a:defRPr/>
+            </a:pPr>
+            <a:r>
+              <a:rPr lang="en-US" altLang="zh-CN" sz="4000" dirty="0">
+                <a:solidFill>
+                  <a:schemeClr val="bg1"/>
+                </a:solidFill>
+                <a:latin typeface="微软雅黑" pitchFamily="34" charset="-122"/>
+                <a:ea typeface="微软雅黑" pitchFamily="34" charset="-122"/>
+              </a:rPr>
+              <a:t>“Too simple, sometimes naïve”</a:t>
+            </a:r>
+            <a:endParaRPr lang="en-US" altLang="zh-CN" sz="4000" dirty="0">
+              <a:solidFill>
+                <a:srgbClr val="FFC000"/>
+              </a:solidFill>
+              <a:latin typeface="微软雅黑" pitchFamily="34" charset="-122"/>
+              <a:ea typeface="微软雅黑" pitchFamily="34" charset="-122"/>
+            </a:endParaRPr>
+          </a:p>
+          <a:p>
+            <a:pPr>
+              <a:defRPr/>
+            </a:pPr>
+            <a:endParaRPr lang="en-US" altLang="zh-CN" sz="4000" dirty="0">
+              <a:solidFill>
+                <a:srgbClr val="FFC000"/>
+              </a:solidFill>
+              <a:latin typeface="微软雅黑" pitchFamily="34" charset="-122"/>
+              <a:ea typeface="微软雅黑" pitchFamily="34" charset="-122"/>
+            </a:endParaRPr>
+          </a:p>
+          <a:p>
+            <a:pPr>
+              <a:defRPr/>
+            </a:pPr>
+            <a:r>
+              <a:rPr lang="en-US" altLang="zh-CN" sz="4000" dirty="0">
+                <a:solidFill>
+                  <a:srgbClr val="FFC000"/>
+                </a:solidFill>
+                <a:latin typeface="微软雅黑" pitchFamily="34" charset="-122"/>
+                <a:ea typeface="微软雅黑" pitchFamily="34" charset="-122"/>
+              </a:rPr>
+              <a:t> </a:t>
+            </a:r>
+            <a:endParaRPr lang="en-US" altLang="zh-CN" sz="4000" dirty="0">
+              <a:solidFill>
+                <a:schemeClr val="bg1"/>
+              </a:solidFill>
+              <a:latin typeface="微软雅黑" pitchFamily="34" charset="-122"/>
+              <a:ea typeface="微软雅黑" pitchFamily="34" charset="-122"/>
+            </a:endParaRPr>
+          </a:p>
+          <a:p>
+            <a:pPr>
+              <a:defRPr/>
+            </a:pPr>
+            <a:endParaRPr lang="en-US" dirty="0">
+              <a:solidFill>
+                <a:schemeClr val="bg1"/>
+              </a:solidFill>
+              <a:latin typeface="Arial" charset="0"/>
+            </a:endParaRPr>
+          </a:p>
+        </p:txBody>
+      </p:sp>
+      <p:pic>
+        <p:nvPicPr>
+          <p:cNvPr id="7" name="Picture 6">
+            <a:extLst>
+              <a:ext uri="{FF2B5EF4-FFF2-40B4-BE49-F238E27FC236}">
+                <a16:creationId xmlns:a16="http://schemas.microsoft.com/office/drawing/2014/main" id="{B3D6BF72-05FA-4D6E-A6C3-56C6BFF6005D}"/>
+              </a:ext>
+            </a:extLst>
+          </p:cNvPr>
+          <p:cNvPicPr>
+            <a:picLocks noChangeAspect="1"/>
+          </p:cNvPicPr>
+          <p:nvPr/>
+        </p:nvPicPr>
+        <p:blipFill>
+          <a:blip r:embed="rId2"/>
+          <a:stretch>
+            <a:fillRect/>
+          </a:stretch>
+        </p:blipFill>
+        <p:spPr>
+          <a:xfrm>
+            <a:off x="152221" y="2204863"/>
+            <a:ext cx="8839558" cy="1224137"/>
+          </a:xfrm>
+          <a:prstGeom prst="rect">
+            <a:avLst/>
+          </a:prstGeom>
+        </p:spPr>
+      </p:pic>
+      <p:pic>
+        <p:nvPicPr>
+          <p:cNvPr id="3" name="Picture 2">
+            <a:extLst>
+              <a:ext uri="{FF2B5EF4-FFF2-40B4-BE49-F238E27FC236}">
+                <a16:creationId xmlns:a16="http://schemas.microsoft.com/office/drawing/2014/main" id="{BA4A96D9-7FD9-4706-86C3-3B66A5A6BF51}"/>
+              </a:ext>
+            </a:extLst>
+          </p:cNvPr>
+          <p:cNvPicPr>
+            <a:picLocks noChangeAspect="1"/>
+          </p:cNvPicPr>
+          <p:nvPr/>
+        </p:nvPicPr>
+        <p:blipFill>
+          <a:blip r:embed="rId3"/>
+          <a:stretch>
+            <a:fillRect/>
+          </a:stretch>
+        </p:blipFill>
+        <p:spPr>
+          <a:xfrm>
+            <a:off x="152220" y="3765254"/>
+            <a:ext cx="8839557" cy="1103906"/>
+          </a:xfrm>
+          <a:prstGeom prst="rect">
+            <a:avLst/>
+          </a:prstGeom>
+        </p:spPr>
+      </p:pic>
+      <p:sp>
+        <p:nvSpPr>
+          <p:cNvPr id="8" name="Rectangle 7">
+            <a:extLst>
+              <a:ext uri="{FF2B5EF4-FFF2-40B4-BE49-F238E27FC236}">
+                <a16:creationId xmlns:a16="http://schemas.microsoft.com/office/drawing/2014/main" id="{CCC06E4A-2D6F-4DCC-9711-471285065377}"/>
+              </a:ext>
+            </a:extLst>
+          </p:cNvPr>
+          <p:cNvSpPr/>
+          <p:nvPr/>
+        </p:nvSpPr>
+        <p:spPr>
+          <a:xfrm>
+            <a:off x="935594" y="2227311"/>
+            <a:ext cx="900102" cy="563262"/>
+          </a:xfrm>
+          <a:prstGeom prst="rect">
+            <a:avLst/>
+          </a:prstGeom>
+          <a:noFill/>
+          <a:ln w="28575">
+            <a:solidFill>
+              <a:srgbClr val="FF0000"/>
+            </a:solidFill>
+          </a:ln>
+        </p:spPr>
+        <p:style>
+          <a:lnRef idx="2">
+            <a:schemeClr val="accent1">
+              <a:shade val="50000"/>
+            </a:schemeClr>
+          </a:lnRef>
+          <a:fillRef idx="1">
+            <a:schemeClr val="accent1"/>
+          </a:fillRef>
+          <a:effectRef idx="0">
+            <a:schemeClr val="accent1"/>
+          </a:effectRef>
+          <a:fontRef idx="minor">
+            <a:schemeClr val="lt1"/>
+          </a:fontRef>
+        </p:style>
+        <p:txBody>
+          <a:bodyPr rtlCol="0" anchor="ctr"/>
+          <a:lstStyle/>
+          <a:p>
+            <a:pPr algn="ctr"/>
+            <a:endParaRPr lang="en-US"/>
+          </a:p>
+        </p:txBody>
+      </p:sp>
+      <p:sp>
+        <p:nvSpPr>
+          <p:cNvPr id="10" name="Rectangle 9">
+            <a:extLst>
+              <a:ext uri="{FF2B5EF4-FFF2-40B4-BE49-F238E27FC236}">
+                <a16:creationId xmlns:a16="http://schemas.microsoft.com/office/drawing/2014/main" id="{D947EE6A-9FEC-43C7-B615-9ADAAF37B72D}"/>
+              </a:ext>
+            </a:extLst>
+          </p:cNvPr>
+          <p:cNvSpPr/>
+          <p:nvPr/>
+        </p:nvSpPr>
+        <p:spPr>
+          <a:xfrm>
+            <a:off x="395536" y="3819660"/>
+            <a:ext cx="1584176" cy="508856"/>
+          </a:xfrm>
+          <a:prstGeom prst="rect">
+            <a:avLst/>
+          </a:prstGeom>
+          <a:noFill/>
+          <a:ln w="28575">
+            <a:solidFill>
+              <a:srgbClr val="FF0000"/>
+            </a:solidFill>
+          </a:ln>
+        </p:spPr>
+        <p:style>
+          <a:lnRef idx="2">
+            <a:schemeClr val="accent1">
+              <a:shade val="50000"/>
+            </a:schemeClr>
+          </a:lnRef>
+          <a:fillRef idx="1">
+            <a:schemeClr val="accent1"/>
+          </a:fillRef>
+          <a:effectRef idx="0">
+            <a:schemeClr val="accent1"/>
+          </a:effectRef>
+          <a:fontRef idx="minor">
+            <a:schemeClr val="lt1"/>
+          </a:fontRef>
+        </p:style>
+        <p:txBody>
+          <a:bodyPr rtlCol="0" anchor="ctr"/>
+          <a:lstStyle/>
+          <a:p>
+            <a:pPr algn="ctr"/>
+            <a:endParaRPr lang="en-US"/>
+          </a:p>
+        </p:txBody>
+      </p:sp>
+      <p:cxnSp>
+        <p:nvCxnSpPr>
+          <p:cNvPr id="11" name="Straight Arrow Connector 10">
+            <a:extLst>
+              <a:ext uri="{FF2B5EF4-FFF2-40B4-BE49-F238E27FC236}">
+                <a16:creationId xmlns:a16="http://schemas.microsoft.com/office/drawing/2014/main" id="{BD639030-566F-4963-943F-24E9C97FC4FE}"/>
+              </a:ext>
+            </a:extLst>
+          </p:cNvPr>
+          <p:cNvCxnSpPr>
+            <a:cxnSpLocks/>
+            <a:endCxn id="10" idx="0"/>
+          </p:cNvCxnSpPr>
+          <p:nvPr/>
+        </p:nvCxnSpPr>
+        <p:spPr>
+          <a:xfrm flipH="1">
+            <a:off x="1187624" y="2844979"/>
+            <a:ext cx="72008" cy="974681"/>
+          </a:xfrm>
+          <a:prstGeom prst="straightConnector1">
+            <a:avLst/>
+          </a:prstGeom>
+          <a:ln w="76200">
+            <a:solidFill>
+              <a:srgbClr val="FF0000"/>
+            </a:solidFill>
+            <a:tailEnd type="triangle"/>
+          </a:ln>
+        </p:spPr>
+        <p:style>
+          <a:lnRef idx="1">
+            <a:schemeClr val="accent1"/>
+          </a:lnRef>
+          <a:fillRef idx="0">
+            <a:schemeClr val="accent1"/>
+          </a:fillRef>
+          <a:effectRef idx="0">
+            <a:schemeClr val="accent1"/>
+          </a:effectRef>
+          <a:fontRef idx="minor">
+            <a:schemeClr val="tx1"/>
+          </a:fontRef>
+        </p:style>
+      </p:cxnSp>
+      <p:sp>
+        <p:nvSpPr>
+          <p:cNvPr id="15" name="Rectangle 14">
+            <a:extLst>
+              <a:ext uri="{FF2B5EF4-FFF2-40B4-BE49-F238E27FC236}">
+                <a16:creationId xmlns:a16="http://schemas.microsoft.com/office/drawing/2014/main" id="{DB6E7123-99C8-444A-8874-C0903E71E144}"/>
+              </a:ext>
+            </a:extLst>
+          </p:cNvPr>
+          <p:cNvSpPr/>
+          <p:nvPr/>
+        </p:nvSpPr>
+        <p:spPr>
+          <a:xfrm>
+            <a:off x="2177732" y="2227311"/>
+            <a:ext cx="1674187" cy="563262"/>
+          </a:xfrm>
+          <a:prstGeom prst="rect">
+            <a:avLst/>
+          </a:prstGeom>
+          <a:noFill/>
+          <a:ln w="28575">
+            <a:solidFill>
+              <a:srgbClr val="FF0000"/>
+            </a:solidFill>
+          </a:ln>
+        </p:spPr>
+        <p:style>
+          <a:lnRef idx="2">
+            <a:schemeClr val="accent1">
+              <a:shade val="50000"/>
+            </a:schemeClr>
+          </a:lnRef>
+          <a:fillRef idx="1">
+            <a:schemeClr val="accent1"/>
+          </a:fillRef>
+          <a:effectRef idx="0">
+            <a:schemeClr val="accent1"/>
+          </a:effectRef>
+          <a:fontRef idx="minor">
+            <a:schemeClr val="lt1"/>
+          </a:fontRef>
+        </p:style>
+        <p:txBody>
+          <a:bodyPr rtlCol="0" anchor="ctr"/>
+          <a:lstStyle/>
+          <a:p>
+            <a:pPr algn="ctr"/>
+            <a:endParaRPr lang="en-US"/>
+          </a:p>
+        </p:txBody>
+      </p:sp>
+      <p:sp>
+        <p:nvSpPr>
+          <p:cNvPr id="16" name="Rectangle 15">
+            <a:extLst>
+              <a:ext uri="{FF2B5EF4-FFF2-40B4-BE49-F238E27FC236}">
+                <a16:creationId xmlns:a16="http://schemas.microsoft.com/office/drawing/2014/main" id="{06BD5217-24CB-4BE1-92AF-0DBAAB41357A}"/>
+              </a:ext>
+            </a:extLst>
+          </p:cNvPr>
+          <p:cNvSpPr/>
+          <p:nvPr/>
+        </p:nvSpPr>
+        <p:spPr>
+          <a:xfrm>
+            <a:off x="2177733" y="3819660"/>
+            <a:ext cx="2034228" cy="508856"/>
+          </a:xfrm>
+          <a:prstGeom prst="rect">
+            <a:avLst/>
+          </a:prstGeom>
+          <a:noFill/>
+          <a:ln w="28575">
+            <a:solidFill>
+              <a:srgbClr val="FF0000"/>
+            </a:solidFill>
+          </a:ln>
+        </p:spPr>
+        <p:style>
+          <a:lnRef idx="2">
+            <a:schemeClr val="accent1">
+              <a:shade val="50000"/>
+            </a:schemeClr>
+          </a:lnRef>
+          <a:fillRef idx="1">
+            <a:schemeClr val="accent1"/>
+          </a:fillRef>
+          <a:effectRef idx="0">
+            <a:schemeClr val="accent1"/>
+          </a:effectRef>
+          <a:fontRef idx="minor">
+            <a:schemeClr val="lt1"/>
+          </a:fontRef>
+        </p:style>
+        <p:txBody>
+          <a:bodyPr rtlCol="0" anchor="ctr"/>
+          <a:lstStyle/>
+          <a:p>
+            <a:pPr algn="ctr"/>
+            <a:endParaRPr lang="en-US"/>
+          </a:p>
+        </p:txBody>
+      </p:sp>
+      <p:cxnSp>
+        <p:nvCxnSpPr>
+          <p:cNvPr id="17" name="Straight Arrow Connector 16">
+            <a:extLst>
+              <a:ext uri="{FF2B5EF4-FFF2-40B4-BE49-F238E27FC236}">
+                <a16:creationId xmlns:a16="http://schemas.microsoft.com/office/drawing/2014/main" id="{05D80A73-3187-49CA-A052-3559751BA9FD}"/>
+              </a:ext>
+            </a:extLst>
+          </p:cNvPr>
+          <p:cNvCxnSpPr>
+            <a:cxnSpLocks/>
+            <a:endCxn id="16" idx="0"/>
+          </p:cNvCxnSpPr>
+          <p:nvPr/>
+        </p:nvCxnSpPr>
+        <p:spPr>
+          <a:xfrm>
+            <a:off x="2843808" y="2844979"/>
+            <a:ext cx="351039" cy="974681"/>
+          </a:xfrm>
+          <a:prstGeom prst="straightConnector1">
+            <a:avLst/>
+          </a:prstGeom>
+          <a:ln w="76200">
+            <a:solidFill>
+              <a:srgbClr val="FF0000"/>
+            </a:solidFill>
+            <a:tailEnd type="triangle"/>
+          </a:ln>
+        </p:spPr>
+        <p:style>
+          <a:lnRef idx="1">
+            <a:schemeClr val="accent1"/>
+          </a:lnRef>
+          <a:fillRef idx="0">
+            <a:schemeClr val="accent1"/>
+          </a:fillRef>
+          <a:effectRef idx="0">
+            <a:schemeClr val="accent1"/>
+          </a:effectRef>
+          <a:fontRef idx="minor">
+            <a:schemeClr val="tx1"/>
+          </a:fontRef>
+        </p:style>
+      </p:cxnSp>
+      <p:sp>
+        <p:nvSpPr>
+          <p:cNvPr id="21" name="Rectangle 20">
+            <a:extLst>
+              <a:ext uri="{FF2B5EF4-FFF2-40B4-BE49-F238E27FC236}">
+                <a16:creationId xmlns:a16="http://schemas.microsoft.com/office/drawing/2014/main" id="{15BE5DEF-43D5-4A27-96AF-EB9A0CBA90A7}"/>
+              </a:ext>
+            </a:extLst>
+          </p:cNvPr>
+          <p:cNvSpPr/>
+          <p:nvPr/>
+        </p:nvSpPr>
+        <p:spPr>
+          <a:xfrm>
+            <a:off x="4201229" y="2228727"/>
+            <a:ext cx="1378884" cy="563262"/>
+          </a:xfrm>
+          <a:prstGeom prst="rect">
+            <a:avLst/>
+          </a:prstGeom>
+          <a:noFill/>
+          <a:ln w="28575">
+            <a:solidFill>
+              <a:srgbClr val="FF0000"/>
+            </a:solidFill>
+          </a:ln>
+        </p:spPr>
+        <p:style>
+          <a:lnRef idx="2">
+            <a:schemeClr val="accent1">
+              <a:shade val="50000"/>
+            </a:schemeClr>
+          </a:lnRef>
+          <a:fillRef idx="1">
+            <a:schemeClr val="accent1"/>
+          </a:fillRef>
+          <a:effectRef idx="0">
+            <a:schemeClr val="accent1"/>
+          </a:effectRef>
+          <a:fontRef idx="minor">
+            <a:schemeClr val="lt1"/>
+          </a:fontRef>
+        </p:style>
+        <p:txBody>
+          <a:bodyPr rtlCol="0" anchor="ctr"/>
+          <a:lstStyle/>
+          <a:p>
+            <a:pPr algn="ctr"/>
+            <a:endParaRPr lang="en-US"/>
+          </a:p>
+        </p:txBody>
+      </p:sp>
+      <p:sp>
+        <p:nvSpPr>
+          <p:cNvPr id="22" name="Rectangle 21">
+            <a:extLst>
+              <a:ext uri="{FF2B5EF4-FFF2-40B4-BE49-F238E27FC236}">
+                <a16:creationId xmlns:a16="http://schemas.microsoft.com/office/drawing/2014/main" id="{EE01CF24-DF11-4766-B70E-FF1D956AB63A}"/>
+              </a:ext>
+            </a:extLst>
+          </p:cNvPr>
+          <p:cNvSpPr/>
+          <p:nvPr/>
+        </p:nvSpPr>
+        <p:spPr>
+          <a:xfrm>
+            <a:off x="4409981" y="3821076"/>
+            <a:ext cx="1746195" cy="508856"/>
+          </a:xfrm>
+          <a:prstGeom prst="rect">
+            <a:avLst/>
+          </a:prstGeom>
+          <a:noFill/>
+          <a:ln w="28575">
+            <a:solidFill>
+              <a:srgbClr val="FF0000"/>
+            </a:solidFill>
+          </a:ln>
+        </p:spPr>
+        <p:style>
+          <a:lnRef idx="2">
+            <a:schemeClr val="accent1">
+              <a:shade val="50000"/>
+            </a:schemeClr>
+          </a:lnRef>
+          <a:fillRef idx="1">
+            <a:schemeClr val="accent1"/>
+          </a:fillRef>
+          <a:effectRef idx="0">
+            <a:schemeClr val="accent1"/>
+          </a:effectRef>
+          <a:fontRef idx="minor">
+            <a:schemeClr val="lt1"/>
+          </a:fontRef>
+        </p:style>
+        <p:txBody>
+          <a:bodyPr rtlCol="0" anchor="ctr"/>
+          <a:lstStyle/>
+          <a:p>
+            <a:pPr algn="ctr"/>
+            <a:endParaRPr lang="en-US"/>
+          </a:p>
+        </p:txBody>
+      </p:sp>
+      <p:cxnSp>
+        <p:nvCxnSpPr>
+          <p:cNvPr id="23" name="Straight Arrow Connector 22">
+            <a:extLst>
+              <a:ext uri="{FF2B5EF4-FFF2-40B4-BE49-F238E27FC236}">
+                <a16:creationId xmlns:a16="http://schemas.microsoft.com/office/drawing/2014/main" id="{B259A9D2-716A-4414-B266-95845623A0D7}"/>
+              </a:ext>
+            </a:extLst>
+          </p:cNvPr>
+          <p:cNvCxnSpPr>
+            <a:cxnSpLocks/>
+            <a:endCxn id="22" idx="0"/>
+          </p:cNvCxnSpPr>
+          <p:nvPr/>
+        </p:nvCxnSpPr>
+        <p:spPr>
+          <a:xfrm>
+            <a:off x="4867304" y="2846395"/>
+            <a:ext cx="415775" cy="974681"/>
+          </a:xfrm>
+          <a:prstGeom prst="straightConnector1">
+            <a:avLst/>
+          </a:prstGeom>
+          <a:ln w="76200">
+            <a:solidFill>
+              <a:srgbClr val="FF0000"/>
+            </a:solidFill>
+            <a:tailEnd type="triangle"/>
+          </a:ln>
+        </p:spPr>
+        <p:style>
+          <a:lnRef idx="1">
+            <a:schemeClr val="accent1"/>
+          </a:lnRef>
+          <a:fillRef idx="0">
+            <a:schemeClr val="accent1"/>
+          </a:fillRef>
+          <a:effectRef idx="0">
+            <a:schemeClr val="accent1"/>
+          </a:effectRef>
+          <a:fontRef idx="minor">
+            <a:schemeClr val="tx1"/>
+          </a:fontRef>
+        </p:style>
+      </p:cxnSp>
+      <p:sp>
+        <p:nvSpPr>
+          <p:cNvPr id="27" name="Rectangle 26">
+            <a:extLst>
+              <a:ext uri="{FF2B5EF4-FFF2-40B4-BE49-F238E27FC236}">
+                <a16:creationId xmlns:a16="http://schemas.microsoft.com/office/drawing/2014/main" id="{B0B499C1-66EA-49B9-AC49-C85604FFBD8C}"/>
+              </a:ext>
+            </a:extLst>
+          </p:cNvPr>
+          <p:cNvSpPr/>
+          <p:nvPr/>
+        </p:nvSpPr>
+        <p:spPr>
+          <a:xfrm>
+            <a:off x="5871064" y="2227311"/>
+            <a:ext cx="1293224" cy="563262"/>
+          </a:xfrm>
+          <a:prstGeom prst="rect">
+            <a:avLst/>
+          </a:prstGeom>
+          <a:noFill/>
+          <a:ln w="28575">
+            <a:solidFill>
+              <a:srgbClr val="FF0000"/>
+            </a:solidFill>
+          </a:ln>
+        </p:spPr>
+        <p:style>
+          <a:lnRef idx="2">
+            <a:schemeClr val="accent1">
+              <a:shade val="50000"/>
+            </a:schemeClr>
+          </a:lnRef>
+          <a:fillRef idx="1">
+            <a:schemeClr val="accent1"/>
+          </a:fillRef>
+          <a:effectRef idx="0">
+            <a:schemeClr val="accent1"/>
+          </a:effectRef>
+          <a:fontRef idx="minor">
+            <a:schemeClr val="lt1"/>
+          </a:fontRef>
+        </p:style>
+        <p:txBody>
+          <a:bodyPr rtlCol="0" anchor="ctr"/>
+          <a:lstStyle/>
+          <a:p>
+            <a:pPr algn="ctr"/>
+            <a:endParaRPr lang="en-US"/>
+          </a:p>
+        </p:txBody>
+      </p:sp>
+      <p:sp>
+        <p:nvSpPr>
+          <p:cNvPr id="28" name="Rectangle 27">
+            <a:extLst>
+              <a:ext uri="{FF2B5EF4-FFF2-40B4-BE49-F238E27FC236}">
+                <a16:creationId xmlns:a16="http://schemas.microsoft.com/office/drawing/2014/main" id="{29738A85-F469-4112-93BF-9510E71F3CB1}"/>
+              </a:ext>
+            </a:extLst>
+          </p:cNvPr>
+          <p:cNvSpPr/>
+          <p:nvPr/>
+        </p:nvSpPr>
+        <p:spPr>
+          <a:xfrm>
+            <a:off x="6237474" y="3819660"/>
+            <a:ext cx="1862918" cy="508856"/>
+          </a:xfrm>
+          <a:prstGeom prst="rect">
+            <a:avLst/>
+          </a:prstGeom>
+          <a:noFill/>
+          <a:ln w="28575">
+            <a:solidFill>
+              <a:srgbClr val="FF0000"/>
+            </a:solidFill>
+          </a:ln>
+        </p:spPr>
+        <p:style>
+          <a:lnRef idx="2">
+            <a:schemeClr val="accent1">
+              <a:shade val="50000"/>
+            </a:schemeClr>
+          </a:lnRef>
+          <a:fillRef idx="1">
+            <a:schemeClr val="accent1"/>
+          </a:fillRef>
+          <a:effectRef idx="0">
+            <a:schemeClr val="accent1"/>
+          </a:effectRef>
+          <a:fontRef idx="minor">
+            <a:schemeClr val="lt1"/>
+          </a:fontRef>
+        </p:style>
+        <p:txBody>
+          <a:bodyPr rtlCol="0" anchor="ctr"/>
+          <a:lstStyle/>
+          <a:p>
+            <a:pPr algn="ctr"/>
+            <a:endParaRPr lang="en-US"/>
+          </a:p>
+        </p:txBody>
+      </p:sp>
+      <p:cxnSp>
+        <p:nvCxnSpPr>
+          <p:cNvPr id="29" name="Straight Arrow Connector 28">
+            <a:extLst>
+              <a:ext uri="{FF2B5EF4-FFF2-40B4-BE49-F238E27FC236}">
+                <a16:creationId xmlns:a16="http://schemas.microsoft.com/office/drawing/2014/main" id="{B9FF15F0-69A3-4582-A3E5-DCAE53B665BE}"/>
+              </a:ext>
+            </a:extLst>
+          </p:cNvPr>
+          <p:cNvCxnSpPr>
+            <a:cxnSpLocks/>
+            <a:endCxn id="28" idx="0"/>
+          </p:cNvCxnSpPr>
+          <p:nvPr/>
+        </p:nvCxnSpPr>
+        <p:spPr>
+          <a:xfrm>
+            <a:off x="6537139" y="2844979"/>
+            <a:ext cx="631794" cy="974681"/>
+          </a:xfrm>
+          <a:prstGeom prst="straightConnector1">
+            <a:avLst/>
+          </a:prstGeom>
+          <a:ln w="76200">
+            <a:solidFill>
+              <a:srgbClr val="FF0000"/>
+            </a:solidFill>
+            <a:tailEnd type="triangle"/>
+          </a:ln>
+        </p:spPr>
+        <p:style>
+          <a:lnRef idx="1">
+            <a:schemeClr val="accent1"/>
+          </a:lnRef>
+          <a:fillRef idx="0">
+            <a:schemeClr val="accent1"/>
+          </a:fillRef>
+          <a:effectRef idx="0">
+            <a:schemeClr val="accent1"/>
+          </a:effectRef>
+          <a:fontRef idx="minor">
+            <a:schemeClr val="tx1"/>
+          </a:fontRef>
+        </p:style>
+      </p:cxnSp>
+      <p:cxnSp>
+        <p:nvCxnSpPr>
+          <p:cNvPr id="4097" name="Straight Connector 4096">
+            <a:extLst>
+              <a:ext uri="{FF2B5EF4-FFF2-40B4-BE49-F238E27FC236}">
+                <a16:creationId xmlns:a16="http://schemas.microsoft.com/office/drawing/2014/main" id="{60670C6D-51CC-4102-9F89-733B7D3E8E1E}"/>
+              </a:ext>
+            </a:extLst>
+          </p:cNvPr>
+          <p:cNvCxnSpPr>
+            <a:cxnSpLocks/>
+          </p:cNvCxnSpPr>
+          <p:nvPr/>
+        </p:nvCxnSpPr>
+        <p:spPr>
+          <a:xfrm>
+            <a:off x="1331640" y="4509120"/>
+            <a:ext cx="6624736" cy="172913"/>
+          </a:xfrm>
+          <a:prstGeom prst="line">
+            <a:avLst/>
+          </a:prstGeom>
+          <a:ln w="76200"/>
+        </p:spPr>
+        <p:style>
+          <a:lnRef idx="1">
+            <a:schemeClr val="accent4"/>
+          </a:lnRef>
+          <a:fillRef idx="0">
+            <a:schemeClr val="accent4"/>
+          </a:fillRef>
+          <a:effectRef idx="0">
+            <a:schemeClr val="accent4"/>
+          </a:effectRef>
+          <a:fontRef idx="minor">
+            <a:schemeClr val="tx1"/>
+          </a:fontRef>
+        </p:style>
+      </p:cxnSp>
+    </p:spTree>
+    <p:extLst>
+      <p:ext uri="{BB962C8B-B14F-4D97-AF65-F5344CB8AC3E}">
+        <p14:creationId xmlns:p14="http://schemas.microsoft.com/office/powerpoint/2010/main" val="2225521137"/>
+      </p:ext>
+    </p:extLst>
+  </p:cSld>
+  <p:clrMapOvr>
+    <a:masterClrMapping/>
+  </p:clrMapOvr>
+</p:sld>
+</file>
+
+<file path=ppt/slides/slide23.xml><?xml version="1.0" encoding="utf-8"?>
+<p:sld xmlns:a="http://schemas.openxmlformats.org/drawingml/2006/main" xmlns:r="http://schemas.openxmlformats.org/officeDocument/2006/relationships" xmlns:p="http://schemas.openxmlformats.org/presentationml/2006/main">
+  <p:cSld>
+    <p:spTree>
+      <p:nvGrpSpPr>
+        <p:cNvPr id="1" name=""/>
+        <p:cNvGrpSpPr/>
+        <p:nvPr/>
+      </p:nvGrpSpPr>
+      <p:grpSpPr>
+        <a:xfrm>
+          <a:off x="0" y="0"/>
+          <a:ext cx="0" cy="0"/>
+          <a:chOff x="0" y="0"/>
+          <a:chExt cx="0" cy="0"/>
+        </a:xfrm>
+      </p:grpSpPr>
+      <p:sp>
+        <p:nvSpPr>
+          <p:cNvPr id="4098" name="TextBox 2">
+            <a:extLst>
+              <a:ext uri="{FF2B5EF4-FFF2-40B4-BE49-F238E27FC236}">
+                <a16:creationId xmlns:a16="http://schemas.microsoft.com/office/drawing/2014/main" id="{5552ED83-0001-4E47-A09B-F49C592A8E24}"/>
+              </a:ext>
+            </a:extLst>
+          </p:cNvPr>
+          <p:cNvSpPr txBox="1">
+            <a:spLocks noChangeArrowheads="1"/>
+          </p:cNvSpPr>
+          <p:nvPr/>
+        </p:nvSpPr>
+        <p:spPr bwMode="auto">
+          <a:xfrm>
+            <a:off x="13610" y="0"/>
+            <a:ext cx="6913562" cy="830997"/>
+          </a:xfrm>
+          <a:prstGeom prst="rect">
+            <a:avLst/>
+          </a:prstGeom>
+          <a:noFill/>
+          <a:ln>
+            <a:noFill/>
+          </a:ln>
+          <a:extLst>
+            <a:ext uri="{909E8E84-426E-40DD-AFC4-6F175D3DCCD1}">
+              <a14:hiddenFill xmlns:a14="http://schemas.microsoft.com/office/drawing/2010/main">
+                <a:solidFill>
+                  <a:srgbClr val="FFFFFF"/>
+                </a:solidFill>
+              </a14:hiddenFill>
+            </a:ext>
+            <a:ext uri="{91240B29-F687-4F45-9708-019B960494DF}">
+              <a14:hiddenLine xmlns:a14="http://schemas.microsoft.com/office/drawing/2010/main" w="9525">
+                <a:solidFill>
+                  <a:srgbClr val="000000"/>
+                </a:solidFill>
+                <a:miter lim="800000"/>
+                <a:headEnd/>
+                <a:tailEnd/>
+              </a14:hiddenLine>
+            </a:ext>
+          </a:extLst>
+        </p:spPr>
+        <p:txBody>
+          <a:bodyPr>
+            <a:spAutoFit/>
+          </a:bodyPr>
+          <a:lstStyle>
+            <a:lvl1pPr eaLnBrk="0" hangingPunct="0">
+              <a:defRPr>
+                <a:solidFill>
+                  <a:schemeClr val="tx1"/>
+                </a:solidFill>
+                <a:latin typeface="Arial" panose="020B0604020202020204" pitchFamily="34" charset="0"/>
+                <a:ea typeface="宋体" panose="02010600030101010101" pitchFamily="2" charset="-122"/>
+              </a:defRPr>
+            </a:lvl1pPr>
+            <a:lvl2pPr marL="742950" indent="-285750" eaLnBrk="0" hangingPunct="0">
+              <a:defRPr>
+                <a:solidFill>
+                  <a:schemeClr val="tx1"/>
+                </a:solidFill>
+                <a:latin typeface="Arial" panose="020B0604020202020204" pitchFamily="34" charset="0"/>
+                <a:ea typeface="宋体" panose="02010600030101010101" pitchFamily="2" charset="-122"/>
+              </a:defRPr>
+            </a:lvl2pPr>
+            <a:lvl3pPr marL="1143000" indent="-228600" eaLnBrk="0" hangingPunct="0">
+              <a:defRPr>
+                <a:solidFill>
+                  <a:schemeClr val="tx1"/>
+                </a:solidFill>
+                <a:latin typeface="Arial" panose="020B0604020202020204" pitchFamily="34" charset="0"/>
+                <a:ea typeface="宋体" panose="02010600030101010101" pitchFamily="2" charset="-122"/>
+              </a:defRPr>
+            </a:lvl3pPr>
+            <a:lvl4pPr marL="1600200" indent="-228600" eaLnBrk="0" hangingPunct="0">
+              <a:defRPr>
+                <a:solidFill>
+                  <a:schemeClr val="tx1"/>
+                </a:solidFill>
+                <a:latin typeface="Arial" panose="020B0604020202020204" pitchFamily="34" charset="0"/>
+                <a:ea typeface="宋体" panose="02010600030101010101" pitchFamily="2" charset="-122"/>
+              </a:defRPr>
+            </a:lvl4pPr>
+            <a:lvl5pPr marL="2057400" indent="-228600" eaLnBrk="0" hangingPunct="0">
+              <a:defRPr>
+                <a:solidFill>
+                  <a:schemeClr val="tx1"/>
+                </a:solidFill>
+                <a:latin typeface="Arial" panose="020B0604020202020204" pitchFamily="34" charset="0"/>
+                <a:ea typeface="宋体" panose="02010600030101010101" pitchFamily="2" charset="-122"/>
+              </a:defRPr>
+            </a:lvl5pPr>
+            <a:lvl6pPr marL="2514600" indent="-228600" eaLnBrk="0" fontAlgn="base" hangingPunct="0">
+              <a:spcBef>
+                <a:spcPct val="0"/>
+              </a:spcBef>
+              <a:spcAft>
+                <a:spcPct val="0"/>
+              </a:spcAft>
+              <a:defRPr>
+                <a:solidFill>
+                  <a:schemeClr val="tx1"/>
+                </a:solidFill>
+                <a:latin typeface="Arial" panose="020B0604020202020204" pitchFamily="34" charset="0"/>
+                <a:ea typeface="宋体" panose="02010600030101010101" pitchFamily="2" charset="-122"/>
+              </a:defRPr>
+            </a:lvl6pPr>
+            <a:lvl7pPr marL="2971800" indent="-228600" eaLnBrk="0" fontAlgn="base" hangingPunct="0">
+              <a:spcBef>
+                <a:spcPct val="0"/>
+              </a:spcBef>
+              <a:spcAft>
+                <a:spcPct val="0"/>
+              </a:spcAft>
+              <a:defRPr>
+                <a:solidFill>
+                  <a:schemeClr val="tx1"/>
+                </a:solidFill>
+                <a:latin typeface="Arial" panose="020B0604020202020204" pitchFamily="34" charset="0"/>
+                <a:ea typeface="宋体" panose="02010600030101010101" pitchFamily="2" charset="-122"/>
+              </a:defRPr>
+            </a:lvl7pPr>
+            <a:lvl8pPr marL="3429000" indent="-228600" eaLnBrk="0" fontAlgn="base" hangingPunct="0">
+              <a:spcBef>
+                <a:spcPct val="0"/>
+              </a:spcBef>
+              <a:spcAft>
+                <a:spcPct val="0"/>
+              </a:spcAft>
+              <a:defRPr>
+                <a:solidFill>
+                  <a:schemeClr val="tx1"/>
+                </a:solidFill>
+                <a:latin typeface="Arial" panose="020B0604020202020204" pitchFamily="34" charset="0"/>
+                <a:ea typeface="宋体" panose="02010600030101010101" pitchFamily="2" charset="-122"/>
+              </a:defRPr>
+            </a:lvl8pPr>
+            <a:lvl9pPr marL="3886200" indent="-228600" eaLnBrk="0" fontAlgn="base" hangingPunct="0">
+              <a:spcBef>
+                <a:spcPct val="0"/>
+              </a:spcBef>
+              <a:spcAft>
+                <a:spcPct val="0"/>
+              </a:spcAft>
+              <a:defRPr>
+                <a:solidFill>
+                  <a:schemeClr val="tx1"/>
+                </a:solidFill>
+                <a:latin typeface="Arial" panose="020B0604020202020204" pitchFamily="34" charset="0"/>
+                <a:ea typeface="宋体" panose="02010600030101010101" pitchFamily="2" charset="-122"/>
+              </a:defRPr>
+            </a:lvl9pPr>
+          </a:lstStyle>
+          <a:p>
+            <a:pPr eaLnBrk="1" hangingPunct="1"/>
+            <a:r>
+              <a:rPr lang="en-US" altLang="zh-CN" sz="4800" dirty="0">
+                <a:solidFill>
+                  <a:schemeClr val="bg1"/>
+                </a:solidFill>
+                <a:ea typeface="微软雅黑" panose="020B0503020204020204" pitchFamily="34" charset="-122"/>
+              </a:rPr>
+              <a:t>Naive</a:t>
+            </a:r>
+            <a:r>
+              <a:rPr lang="zh-CN" altLang="en-US" sz="4800" dirty="0">
+                <a:solidFill>
+                  <a:schemeClr val="bg1"/>
+                </a:solidFill>
+                <a:ea typeface="微软雅黑" panose="020B0503020204020204" pitchFamily="34" charset="-122"/>
+              </a:rPr>
+              <a:t>在哪</a:t>
+            </a:r>
+            <a:r>
+              <a:rPr lang="en-US" altLang="zh-CN" sz="4800" dirty="0">
+                <a:solidFill>
+                  <a:schemeClr val="bg1"/>
+                </a:solidFill>
+                <a:ea typeface="微软雅黑" panose="020B0503020204020204" pitchFamily="34" charset="-122"/>
+              </a:rPr>
+              <a:t>?</a:t>
+            </a:r>
+            <a:endParaRPr lang="zh-CN" altLang="en-US" sz="4800" dirty="0">
+              <a:solidFill>
+                <a:schemeClr val="bg1"/>
+              </a:solidFill>
+              <a:latin typeface="微软雅黑" panose="020B0503020204020204" pitchFamily="34" charset="-122"/>
+              <a:ea typeface="微软雅黑" panose="020B0503020204020204" pitchFamily="34" charset="-122"/>
+            </a:endParaRPr>
+          </a:p>
+        </p:txBody>
+      </p:sp>
+      <p:sp>
+        <p:nvSpPr>
+          <p:cNvPr id="5" name="TextBox 4">
+            <a:extLst>
+              <a:ext uri="{FF2B5EF4-FFF2-40B4-BE49-F238E27FC236}">
+                <a16:creationId xmlns:a16="http://schemas.microsoft.com/office/drawing/2014/main" id="{E8A991AE-3688-4E36-95ED-0003B8B99099}"/>
+              </a:ext>
+            </a:extLst>
+          </p:cNvPr>
+          <p:cNvSpPr txBox="1"/>
+          <p:nvPr/>
+        </p:nvSpPr>
+        <p:spPr>
+          <a:xfrm>
+            <a:off x="0" y="807815"/>
+            <a:ext cx="9144000" cy="5293757"/>
+          </a:xfrm>
+          <a:prstGeom prst="rect">
+            <a:avLst/>
+          </a:prstGeom>
+          <a:noFill/>
+        </p:spPr>
+        <p:txBody>
+          <a:bodyPr wrap="square">
+            <a:spAutoFit/>
+          </a:bodyPr>
+          <a:lstStyle/>
+          <a:p>
+            <a:pPr>
+              <a:defRPr/>
+            </a:pPr>
+            <a:r>
+              <a:rPr lang="zh-CN" altLang="en-US" sz="4000" dirty="0">
+                <a:solidFill>
+                  <a:schemeClr val="bg1"/>
+                </a:solidFill>
+                <a:latin typeface="微软雅黑" pitchFamily="34" charset="-122"/>
+                <a:ea typeface="微软雅黑" pitchFamily="34" charset="-122"/>
+              </a:rPr>
+              <a:t>现实世界中，特征之间并不总是独立的。</a:t>
+            </a:r>
+            <a:endParaRPr lang="en-US" altLang="zh-CN" sz="4000" dirty="0">
+              <a:solidFill>
+                <a:schemeClr val="bg1"/>
+              </a:solidFill>
+              <a:latin typeface="微软雅黑" pitchFamily="34" charset="-122"/>
+              <a:ea typeface="微软雅黑" pitchFamily="34" charset="-122"/>
+            </a:endParaRPr>
+          </a:p>
+          <a:p>
+            <a:pPr>
+              <a:defRPr/>
+            </a:pPr>
+            <a:endParaRPr lang="en-US" altLang="zh-CN" sz="4000" dirty="0">
+              <a:solidFill>
+                <a:schemeClr val="bg1"/>
+              </a:solidFill>
+              <a:latin typeface="微软雅黑" pitchFamily="34" charset="-122"/>
+              <a:ea typeface="微软雅黑" pitchFamily="34" charset="-122"/>
+            </a:endParaRPr>
+          </a:p>
+          <a:p>
+            <a:pPr>
+              <a:defRPr/>
+            </a:pPr>
+            <a:r>
+              <a:rPr lang="zh-CN" altLang="en-US" sz="4000" dirty="0">
+                <a:solidFill>
+                  <a:schemeClr val="bg1"/>
+                </a:solidFill>
+                <a:latin typeface="微软雅黑" pitchFamily="34" charset="-122"/>
+                <a:ea typeface="微软雅黑" pitchFamily="34" charset="-122"/>
+              </a:rPr>
+              <a:t>垃圾邮件判别：</a:t>
+            </a:r>
+            <a:endParaRPr lang="en-US" altLang="zh-CN" sz="4000" dirty="0">
+              <a:solidFill>
+                <a:schemeClr val="bg1"/>
+              </a:solidFill>
+              <a:latin typeface="微软雅黑" pitchFamily="34" charset="-122"/>
+              <a:ea typeface="微软雅黑" pitchFamily="34" charset="-122"/>
+            </a:endParaRPr>
+          </a:p>
+          <a:p>
+            <a:pPr marL="742950" indent="-742950">
+              <a:buAutoNum type="arabicParenBoth"/>
+              <a:defRPr/>
+            </a:pPr>
+            <a:r>
+              <a:rPr lang="zh-CN" altLang="en-US" sz="4000" dirty="0">
+                <a:solidFill>
+                  <a:schemeClr val="bg1"/>
+                </a:solidFill>
+                <a:latin typeface="微软雅黑" pitchFamily="34" charset="-122"/>
+                <a:ea typeface="微软雅黑" pitchFamily="34" charset="-122"/>
+              </a:rPr>
+              <a:t>代办 </a:t>
+            </a:r>
+            <a:r>
+              <a:rPr lang="en-US" altLang="zh-CN" sz="4000" dirty="0">
+                <a:solidFill>
+                  <a:schemeClr val="bg1"/>
+                </a:solidFill>
+                <a:latin typeface="微软雅黑" pitchFamily="34" charset="-122"/>
+                <a:ea typeface="微软雅黑" pitchFamily="34" charset="-122"/>
+              </a:rPr>
+              <a:t>/ </a:t>
+            </a:r>
+            <a:r>
+              <a:rPr lang="zh-CN" altLang="en-US" sz="4000" dirty="0">
+                <a:solidFill>
+                  <a:schemeClr val="bg1"/>
+                </a:solidFill>
+                <a:latin typeface="微软雅黑" pitchFamily="34" charset="-122"/>
+                <a:ea typeface="微软雅黑" pitchFamily="34" charset="-122"/>
+              </a:rPr>
+              <a:t>公司 </a:t>
+            </a:r>
+            <a:r>
+              <a:rPr lang="en-US" altLang="zh-CN" sz="4000" dirty="0">
+                <a:solidFill>
+                  <a:schemeClr val="bg1"/>
+                </a:solidFill>
+                <a:latin typeface="微软雅黑" pitchFamily="34" charset="-122"/>
+                <a:ea typeface="微软雅黑" pitchFamily="34" charset="-122"/>
+              </a:rPr>
+              <a:t>/ </a:t>
+            </a:r>
+            <a:r>
+              <a:rPr lang="zh-CN" altLang="en-US" sz="4000" dirty="0">
+                <a:solidFill>
+                  <a:schemeClr val="bg1"/>
+                </a:solidFill>
+                <a:latin typeface="微软雅黑" pitchFamily="34" charset="-122"/>
+                <a:ea typeface="微软雅黑" pitchFamily="34" charset="-122"/>
+              </a:rPr>
+              <a:t>发票</a:t>
+            </a:r>
+            <a:endParaRPr lang="en-US" altLang="zh-CN" sz="4000" dirty="0">
+              <a:solidFill>
+                <a:schemeClr val="bg1"/>
+              </a:solidFill>
+              <a:latin typeface="微软雅黑" pitchFamily="34" charset="-122"/>
+              <a:ea typeface="微软雅黑" pitchFamily="34" charset="-122"/>
+            </a:endParaRPr>
+          </a:p>
+          <a:p>
+            <a:pPr marL="742950" indent="-742950">
+              <a:buAutoNum type="arabicParenBoth"/>
+              <a:defRPr/>
+            </a:pPr>
+            <a:r>
+              <a:rPr lang="zh-CN" altLang="en-US" sz="4000" dirty="0">
+                <a:solidFill>
+                  <a:schemeClr val="bg1"/>
+                </a:solidFill>
+                <a:latin typeface="微软雅黑" pitchFamily="34" charset="-122"/>
+                <a:ea typeface="微软雅黑" pitchFamily="34" charset="-122"/>
+              </a:rPr>
+              <a:t>发票 </a:t>
+            </a:r>
+            <a:r>
+              <a:rPr lang="en-US" altLang="zh-CN" sz="4000" dirty="0">
+                <a:solidFill>
+                  <a:schemeClr val="bg1"/>
+                </a:solidFill>
+                <a:latin typeface="微软雅黑" pitchFamily="34" charset="-122"/>
+                <a:ea typeface="微软雅黑" pitchFamily="34" charset="-122"/>
+              </a:rPr>
+              <a:t>/ </a:t>
+            </a:r>
+            <a:r>
+              <a:rPr lang="zh-CN" altLang="en-US" sz="4000" dirty="0">
+                <a:solidFill>
+                  <a:schemeClr val="bg1"/>
+                </a:solidFill>
+                <a:latin typeface="微软雅黑" pitchFamily="34" charset="-122"/>
+                <a:ea typeface="微软雅黑" pitchFamily="34" charset="-122"/>
+              </a:rPr>
+              <a:t>公司 </a:t>
+            </a:r>
+            <a:r>
+              <a:rPr lang="en-US" altLang="zh-CN" sz="4000" dirty="0">
+                <a:solidFill>
+                  <a:schemeClr val="bg1"/>
+                </a:solidFill>
+                <a:latin typeface="微软雅黑" pitchFamily="34" charset="-122"/>
+                <a:ea typeface="微软雅黑" pitchFamily="34" charset="-122"/>
+              </a:rPr>
+              <a:t>/ </a:t>
+            </a:r>
+            <a:r>
+              <a:rPr lang="zh-CN" altLang="en-US" sz="4000" dirty="0">
+                <a:solidFill>
+                  <a:schemeClr val="bg1"/>
+                </a:solidFill>
+                <a:latin typeface="微软雅黑" pitchFamily="34" charset="-122"/>
+                <a:ea typeface="微软雅黑" pitchFamily="34" charset="-122"/>
+              </a:rPr>
+              <a:t>代办</a:t>
+            </a:r>
+            <a:endParaRPr lang="en-US" altLang="zh-CN" sz="4000" dirty="0">
+              <a:solidFill>
+                <a:schemeClr val="bg1"/>
+              </a:solidFill>
+              <a:latin typeface="微软雅黑" pitchFamily="34" charset="-122"/>
+              <a:ea typeface="微软雅黑" pitchFamily="34" charset="-122"/>
+            </a:endParaRPr>
+          </a:p>
+          <a:p>
+            <a:pPr marL="742950" indent="-742950">
+              <a:buAutoNum type="arabicParenBoth"/>
+              <a:defRPr/>
+            </a:pPr>
+            <a:endParaRPr lang="en-US" altLang="zh-CN" sz="4000" dirty="0">
+              <a:solidFill>
+                <a:schemeClr val="bg1"/>
+              </a:solidFill>
+              <a:latin typeface="微软雅黑" pitchFamily="34" charset="-122"/>
+              <a:ea typeface="微软雅黑" pitchFamily="34" charset="-122"/>
+            </a:endParaRPr>
+          </a:p>
+          <a:p>
+            <a:pPr>
+              <a:defRPr/>
+            </a:pPr>
+            <a:r>
+              <a:rPr lang="zh-CN" altLang="en-US" sz="4000" b="1" dirty="0">
+                <a:solidFill>
+                  <a:srgbClr val="FFC000"/>
+                </a:solidFill>
+                <a:latin typeface="微软雅黑" pitchFamily="34" charset="-122"/>
+                <a:ea typeface="微软雅黑" pitchFamily="34" charset="-122"/>
+              </a:rPr>
+              <a:t>然鹅实践上效果还不错！</a:t>
+            </a:r>
+            <a:endParaRPr lang="en-US" altLang="zh-CN" sz="4000" b="1" dirty="0">
+              <a:solidFill>
+                <a:srgbClr val="FFC000"/>
+              </a:solidFill>
+              <a:latin typeface="微软雅黑" pitchFamily="34" charset="-122"/>
+              <a:ea typeface="微软雅黑" pitchFamily="34" charset="-122"/>
+            </a:endParaRPr>
+          </a:p>
+          <a:p>
+            <a:pPr>
+              <a:defRPr/>
+            </a:pPr>
+            <a:r>
+              <a:rPr lang="en-US" altLang="zh-CN" sz="4000" dirty="0">
+                <a:solidFill>
+                  <a:srgbClr val="FFC000"/>
+                </a:solidFill>
+                <a:latin typeface="微软雅黑" pitchFamily="34" charset="-122"/>
+                <a:ea typeface="微软雅黑" pitchFamily="34" charset="-122"/>
+              </a:rPr>
+              <a:t> </a:t>
+            </a:r>
+            <a:endParaRPr lang="en-US" altLang="zh-CN" sz="4000" dirty="0">
+              <a:solidFill>
+                <a:schemeClr val="bg1"/>
+              </a:solidFill>
+              <a:latin typeface="微软雅黑" pitchFamily="34" charset="-122"/>
+              <a:ea typeface="微软雅黑" pitchFamily="34" charset="-122"/>
+            </a:endParaRPr>
+          </a:p>
+          <a:p>
+            <a:pPr>
+              <a:defRPr/>
+            </a:pPr>
+            <a:endParaRPr lang="en-US" dirty="0">
+              <a:solidFill>
+                <a:schemeClr val="bg1"/>
+              </a:solidFill>
+              <a:latin typeface="Arial" charset="0"/>
+            </a:endParaRPr>
+          </a:p>
+        </p:txBody>
+      </p:sp>
+    </p:spTree>
+    <p:extLst>
+      <p:ext uri="{BB962C8B-B14F-4D97-AF65-F5344CB8AC3E}">
+        <p14:creationId xmlns:p14="http://schemas.microsoft.com/office/powerpoint/2010/main" val="866981674"/>
+      </p:ext>
+    </p:extLst>
+  </p:cSld>
+  <p:clrMapOvr>
+    <a:masterClrMapping/>
+  </p:clrMapOvr>
+  <p:timing>
+    <p:tnLst>
+      <p:par>
+        <p:cTn id="1" dur="indefinite" restart="never" nodeType="tmRoot">
+          <p:childTnLst>
+            <p:seq concurrent="1" nextAc="seek">
+              <p:cTn id="2" dur="indefinite" nodeType="mainSeq">
+                <p:childTnLst>
+                  <p:par>
+                    <p:cTn id="3" fill="hold">
+                      <p:stCondLst>
+                        <p:cond delay="indefinite"/>
+                      </p:stCondLst>
+                      <p:childTnLst>
+                        <p:par>
+                          <p:cTn id="4" fill="hold">
+                            <p:stCondLst>
+                              <p:cond delay="0"/>
+                            </p:stCondLst>
+                            <p:childTnLst>
+                              <p:par>
+                                <p:cTn id="5" presetID="10" presetClass="entr" presetSubtype="0" fill="hold" nodeType="clickEffect">
+                                  <p:stCondLst>
+                                    <p:cond delay="0"/>
+                                  </p:stCondLst>
+                                  <p:childTnLst>
+                                    <p:set>
+                                      <p:cBhvr>
+                                        <p:cTn id="6" dur="1" fill="hold">
+                                          <p:stCondLst>
+                                            <p:cond delay="0"/>
+                                          </p:stCondLst>
+                                        </p:cTn>
+                                        <p:tgtEl>
+                                          <p:spTgt spid="5">
+                                            <p:txEl>
+                                              <p:pRg st="6" end="6"/>
+                                            </p:txEl>
+                                          </p:spTgt>
+                                        </p:tgtEl>
+                                        <p:attrNameLst>
+                                          <p:attrName>style.visibility</p:attrName>
+                                        </p:attrNameLst>
+                                      </p:cBhvr>
+                                      <p:to>
+                                        <p:strVal val="visible"/>
+                                      </p:to>
+                                    </p:set>
+                                    <p:animEffect transition="in" filter="fade">
+                                      <p:cBhvr>
+                                        <p:cTn id="7" dur="500"/>
+                                        <p:tgtEl>
+                                          <p:spTgt spid="5">
+                                            <p:txEl>
+                                              <p:pRg st="6" end="6"/>
+                                            </p:txEl>
+                                          </p:spTgt>
+                                        </p:tgtEl>
+                                      </p:cBhvr>
+                                    </p:animEffect>
+                                  </p:childTnLst>
+                                </p:cTn>
+                              </p:par>
+                            </p:childTnLst>
+                          </p:cTn>
+                        </p:par>
+                      </p:childTnLst>
+                    </p:cTn>
+                  </p:par>
+                </p:childTnLst>
+              </p:cTn>
+              <p:prevCondLst>
+                <p:cond evt="onPrev" delay="0">
+                  <p:tgtEl>
+                    <p:sldTgt/>
+                  </p:tgtEl>
+                </p:cond>
+              </p:prevCondLst>
+              <p:nextCondLst>
+                <p:cond evt="onNext" delay="0">
+                  <p:tgtEl>
+                    <p:sldTgt/>
+                  </p:tgtEl>
+                </p:cond>
+              </p:nextCondLst>
+            </p:seq>
+          </p:childTnLst>
+        </p:cTn>
+      </p:par>
+    </p:tnLst>
+  </p:timing>
+</p:sld>
+</file>
+
+<file path=ppt/slides/slide24.xml><?xml version="1.0" encoding="utf-8"?>
+<p:sld xmlns:a="http://schemas.openxmlformats.org/drawingml/2006/main" xmlns:r="http://schemas.openxmlformats.org/officeDocument/2006/relationships" xmlns:p="http://schemas.openxmlformats.org/presentationml/2006/main">
+  <p:cSld>
+    <p:spTree>
+      <p:nvGrpSpPr>
+        <p:cNvPr id="1" name=""/>
+        <p:cNvGrpSpPr/>
+        <p:nvPr/>
+      </p:nvGrpSpPr>
+      <p:grpSpPr>
+        <a:xfrm>
+          <a:off x="0" y="0"/>
+          <a:ext cx="0" cy="0"/>
+          <a:chOff x="0" y="0"/>
+          <a:chExt cx="0" cy="0"/>
+        </a:xfrm>
+      </p:grpSpPr>
+      <p:sp>
+        <p:nvSpPr>
+          <p:cNvPr id="5122" name="Rectangle 2">
+            <a:extLst>
+              <a:ext uri="{FF2B5EF4-FFF2-40B4-BE49-F238E27FC236}">
+                <a16:creationId xmlns:a16="http://schemas.microsoft.com/office/drawing/2014/main" id="{DA0A6638-A01B-4ADE-AF93-1C7B857D9914}"/>
+              </a:ext>
+            </a:extLst>
+          </p:cNvPr>
+          <p:cNvSpPr>
+            <a:spLocks noGrp="1" noChangeArrowheads="1"/>
+          </p:cNvSpPr>
+          <p:nvPr>
+            <p:ph type="ctrTitle"/>
+          </p:nvPr>
+        </p:nvSpPr>
+        <p:spPr>
+          <a:xfrm>
+            <a:off x="467544" y="2132856"/>
+            <a:ext cx="7847012" cy="2159000"/>
+          </a:xfrm>
+        </p:spPr>
+        <p:txBody>
+          <a:bodyPr/>
+          <a:lstStyle/>
+          <a:p>
+            <a:pPr eaLnBrk="1" hangingPunct="1"/>
+            <a:br>
+              <a:rPr lang="en-US" altLang="zh-CN" sz="8000" dirty="0">
+                <a:solidFill>
+                  <a:schemeClr val="bg1"/>
+                </a:solidFill>
+                <a:ea typeface="微软雅黑" panose="020B0503020204020204" pitchFamily="34" charset="-122"/>
+              </a:rPr>
+            </a:br>
+            <a:r>
+              <a:rPr lang="en-US" altLang="zh-CN" sz="8000" dirty="0">
+                <a:solidFill>
+                  <a:schemeClr val="bg1"/>
+                </a:solidFill>
+                <a:ea typeface="微软雅黑" panose="020B0503020204020204" pitchFamily="34" charset="-122"/>
+              </a:rPr>
+              <a:t>  </a:t>
+            </a:r>
+            <a:r>
+              <a:rPr lang="zh-CN" altLang="en-US" sz="6600" dirty="0">
+                <a:solidFill>
+                  <a:schemeClr val="bg1"/>
+                </a:solidFill>
+                <a:ea typeface="微软雅黑" panose="020B0503020204020204" pitchFamily="34" charset="-122"/>
+              </a:rPr>
+              <a:t>朴素贝叶斯优缺点</a:t>
+            </a:r>
+            <a:br>
+              <a:rPr lang="zh-CN" altLang="en-US" sz="7200" dirty="0">
+                <a:solidFill>
+                  <a:schemeClr val="bg1"/>
+                </a:solidFill>
+                <a:ea typeface="微软雅黑" panose="020B0503020204020204" pitchFamily="34" charset="-122"/>
+              </a:rPr>
+            </a:br>
+            <a:endParaRPr lang="zh-CN" altLang="en-US" sz="7200" dirty="0">
+              <a:solidFill>
+                <a:schemeClr val="bg1"/>
+              </a:solidFill>
+              <a:ea typeface="微软雅黑" panose="020B0503020204020204" pitchFamily="34" charset="-122"/>
+            </a:endParaRPr>
+          </a:p>
+        </p:txBody>
+      </p:sp>
+    </p:spTree>
+    <p:extLst>
+      <p:ext uri="{BB962C8B-B14F-4D97-AF65-F5344CB8AC3E}">
+        <p14:creationId xmlns:p14="http://schemas.microsoft.com/office/powerpoint/2010/main" val="636895191"/>
+      </p:ext>
+    </p:extLst>
+  </p:cSld>
+  <p:clrMapOvr>
+    <a:masterClrMapping/>
+  </p:clrMapOvr>
+</p:sld>
+</file>
+
+<file path=ppt/slides/slide25.xml><?xml version="1.0" encoding="utf-8"?>
+<p:sld xmlns:a="http://schemas.openxmlformats.org/drawingml/2006/main" xmlns:r="http://schemas.openxmlformats.org/officeDocument/2006/relationships" xmlns:p="http://schemas.openxmlformats.org/presentationml/2006/main">
+  <p:cSld>
+    <p:spTree>
+      <p:nvGrpSpPr>
+        <p:cNvPr id="1" name=""/>
+        <p:cNvGrpSpPr/>
+        <p:nvPr/>
+      </p:nvGrpSpPr>
+      <p:grpSpPr>
+        <a:xfrm>
+          <a:off x="0" y="0"/>
+          <a:ext cx="0" cy="0"/>
+          <a:chOff x="0" y="0"/>
+          <a:chExt cx="0" cy="0"/>
+        </a:xfrm>
+      </p:grpSpPr>
+      <p:sp>
+        <p:nvSpPr>
+          <p:cNvPr id="4098" name="TextBox 2">
+            <a:extLst>
+              <a:ext uri="{FF2B5EF4-FFF2-40B4-BE49-F238E27FC236}">
+                <a16:creationId xmlns:a16="http://schemas.microsoft.com/office/drawing/2014/main" id="{5552ED83-0001-4E47-A09B-F49C592A8E24}"/>
+              </a:ext>
+            </a:extLst>
+          </p:cNvPr>
+          <p:cNvSpPr txBox="1">
+            <a:spLocks noChangeArrowheads="1"/>
+          </p:cNvSpPr>
+          <p:nvPr/>
+        </p:nvSpPr>
+        <p:spPr bwMode="auto">
+          <a:xfrm>
+            <a:off x="13610" y="0"/>
+            <a:ext cx="6913562" cy="830997"/>
+          </a:xfrm>
+          <a:prstGeom prst="rect">
+            <a:avLst/>
+          </a:prstGeom>
+          <a:noFill/>
+          <a:ln>
+            <a:noFill/>
+          </a:ln>
+          <a:extLst>
+            <a:ext uri="{909E8E84-426E-40DD-AFC4-6F175D3DCCD1}">
+              <a14:hiddenFill xmlns:a14="http://schemas.microsoft.com/office/drawing/2010/main">
+                <a:solidFill>
+                  <a:srgbClr val="FFFFFF"/>
+                </a:solidFill>
+              </a14:hiddenFill>
+            </a:ext>
+            <a:ext uri="{91240B29-F687-4F45-9708-019B960494DF}">
+              <a14:hiddenLine xmlns:a14="http://schemas.microsoft.com/office/drawing/2010/main" w="9525">
+                <a:solidFill>
+                  <a:srgbClr val="000000"/>
+                </a:solidFill>
+                <a:miter lim="800000"/>
+                <a:headEnd/>
+                <a:tailEnd/>
+              </a14:hiddenLine>
+            </a:ext>
+          </a:extLst>
+        </p:spPr>
+        <p:txBody>
+          <a:bodyPr>
+            <a:spAutoFit/>
+          </a:bodyPr>
+          <a:lstStyle>
+            <a:lvl1pPr eaLnBrk="0" hangingPunct="0">
+              <a:defRPr>
+                <a:solidFill>
+                  <a:schemeClr val="tx1"/>
+                </a:solidFill>
+                <a:latin typeface="Arial" panose="020B0604020202020204" pitchFamily="34" charset="0"/>
+                <a:ea typeface="宋体" panose="02010600030101010101" pitchFamily="2" charset="-122"/>
+              </a:defRPr>
+            </a:lvl1pPr>
+            <a:lvl2pPr marL="742950" indent="-285750" eaLnBrk="0" hangingPunct="0">
+              <a:defRPr>
+                <a:solidFill>
+                  <a:schemeClr val="tx1"/>
+                </a:solidFill>
+                <a:latin typeface="Arial" panose="020B0604020202020204" pitchFamily="34" charset="0"/>
+                <a:ea typeface="宋体" panose="02010600030101010101" pitchFamily="2" charset="-122"/>
+              </a:defRPr>
+            </a:lvl2pPr>
+            <a:lvl3pPr marL="1143000" indent="-228600" eaLnBrk="0" hangingPunct="0">
+              <a:defRPr>
+                <a:solidFill>
+                  <a:schemeClr val="tx1"/>
+                </a:solidFill>
+                <a:latin typeface="Arial" panose="020B0604020202020204" pitchFamily="34" charset="0"/>
+                <a:ea typeface="宋体" panose="02010600030101010101" pitchFamily="2" charset="-122"/>
+              </a:defRPr>
+            </a:lvl3pPr>
+            <a:lvl4pPr marL="1600200" indent="-228600" eaLnBrk="0" hangingPunct="0">
+              <a:defRPr>
+                <a:solidFill>
+                  <a:schemeClr val="tx1"/>
+                </a:solidFill>
+                <a:latin typeface="Arial" panose="020B0604020202020204" pitchFamily="34" charset="0"/>
+                <a:ea typeface="宋体" panose="02010600030101010101" pitchFamily="2" charset="-122"/>
+              </a:defRPr>
+            </a:lvl4pPr>
+            <a:lvl5pPr marL="2057400" indent="-228600" eaLnBrk="0" hangingPunct="0">
+              <a:defRPr>
+                <a:solidFill>
+                  <a:schemeClr val="tx1"/>
+                </a:solidFill>
+                <a:latin typeface="Arial" panose="020B0604020202020204" pitchFamily="34" charset="0"/>
+                <a:ea typeface="宋体" panose="02010600030101010101" pitchFamily="2" charset="-122"/>
+              </a:defRPr>
+            </a:lvl5pPr>
+            <a:lvl6pPr marL="2514600" indent="-228600" eaLnBrk="0" fontAlgn="base" hangingPunct="0">
+              <a:spcBef>
+                <a:spcPct val="0"/>
+              </a:spcBef>
+              <a:spcAft>
+                <a:spcPct val="0"/>
+              </a:spcAft>
+              <a:defRPr>
+                <a:solidFill>
+                  <a:schemeClr val="tx1"/>
+                </a:solidFill>
+                <a:latin typeface="Arial" panose="020B0604020202020204" pitchFamily="34" charset="0"/>
+                <a:ea typeface="宋体" panose="02010600030101010101" pitchFamily="2" charset="-122"/>
+              </a:defRPr>
+            </a:lvl6pPr>
+            <a:lvl7pPr marL="2971800" indent="-228600" eaLnBrk="0" fontAlgn="base" hangingPunct="0">
+              <a:spcBef>
+                <a:spcPct val="0"/>
+              </a:spcBef>
+              <a:spcAft>
+                <a:spcPct val="0"/>
+              </a:spcAft>
+              <a:defRPr>
+                <a:solidFill>
+                  <a:schemeClr val="tx1"/>
+                </a:solidFill>
+                <a:latin typeface="Arial" panose="020B0604020202020204" pitchFamily="34" charset="0"/>
+                <a:ea typeface="宋体" panose="02010600030101010101" pitchFamily="2" charset="-122"/>
+              </a:defRPr>
+            </a:lvl7pPr>
+            <a:lvl8pPr marL="3429000" indent="-228600" eaLnBrk="0" fontAlgn="base" hangingPunct="0">
+              <a:spcBef>
+                <a:spcPct val="0"/>
+              </a:spcBef>
+              <a:spcAft>
+                <a:spcPct val="0"/>
+              </a:spcAft>
+              <a:defRPr>
+                <a:solidFill>
+                  <a:schemeClr val="tx1"/>
+                </a:solidFill>
+                <a:latin typeface="Arial" panose="020B0604020202020204" pitchFamily="34" charset="0"/>
+                <a:ea typeface="宋体" panose="02010600030101010101" pitchFamily="2" charset="-122"/>
+              </a:defRPr>
+            </a:lvl8pPr>
+            <a:lvl9pPr marL="3886200" indent="-228600" eaLnBrk="0" fontAlgn="base" hangingPunct="0">
+              <a:spcBef>
+                <a:spcPct val="0"/>
+              </a:spcBef>
+              <a:spcAft>
+                <a:spcPct val="0"/>
+              </a:spcAft>
+              <a:defRPr>
+                <a:solidFill>
+                  <a:schemeClr val="tx1"/>
+                </a:solidFill>
+                <a:latin typeface="Arial" panose="020B0604020202020204" pitchFamily="34" charset="0"/>
+                <a:ea typeface="宋体" panose="02010600030101010101" pitchFamily="2" charset="-122"/>
+              </a:defRPr>
+            </a:lvl9pPr>
+          </a:lstStyle>
+          <a:p>
+            <a:pPr eaLnBrk="1" hangingPunct="1"/>
+            <a:r>
+              <a:rPr lang="zh-CN" altLang="en-US" sz="4800" dirty="0">
+                <a:solidFill>
+                  <a:schemeClr val="bg1"/>
+                </a:solidFill>
+                <a:ea typeface="微软雅黑" panose="020B0503020204020204" pitchFamily="34" charset="-122"/>
+              </a:rPr>
+              <a:t>朴素贝叶斯优缺点</a:t>
+            </a:r>
+            <a:endParaRPr lang="zh-CN" altLang="en-US" sz="4800" dirty="0">
+              <a:solidFill>
+                <a:schemeClr val="bg1"/>
+              </a:solidFill>
+              <a:latin typeface="微软雅黑" panose="020B0503020204020204" pitchFamily="34" charset="-122"/>
+              <a:ea typeface="微软雅黑" panose="020B0503020204020204" pitchFamily="34" charset="-122"/>
+            </a:endParaRPr>
+          </a:p>
+        </p:txBody>
+      </p:sp>
+      <p:sp>
+        <p:nvSpPr>
+          <p:cNvPr id="5" name="TextBox 4">
+            <a:extLst>
+              <a:ext uri="{FF2B5EF4-FFF2-40B4-BE49-F238E27FC236}">
+                <a16:creationId xmlns:a16="http://schemas.microsoft.com/office/drawing/2014/main" id="{E8A991AE-3688-4E36-95ED-0003B8B99099}"/>
+              </a:ext>
+            </a:extLst>
+          </p:cNvPr>
+          <p:cNvSpPr txBox="1"/>
+          <p:nvPr/>
+        </p:nvSpPr>
+        <p:spPr>
+          <a:xfrm>
+            <a:off x="0" y="807815"/>
+            <a:ext cx="9144000" cy="5293757"/>
+          </a:xfrm>
+          <a:prstGeom prst="rect">
+            <a:avLst/>
+          </a:prstGeom>
+          <a:noFill/>
+        </p:spPr>
+        <p:txBody>
+          <a:bodyPr wrap="square">
+            <a:spAutoFit/>
+          </a:bodyPr>
+          <a:lstStyle/>
+          <a:p>
+            <a:pPr>
+              <a:defRPr/>
+            </a:pPr>
+            <a:r>
+              <a:rPr lang="zh-CN" altLang="en-US" sz="4000" dirty="0">
+                <a:solidFill>
+                  <a:schemeClr val="bg1"/>
+                </a:solidFill>
+                <a:latin typeface="微软雅黑" pitchFamily="34" charset="-122"/>
+                <a:ea typeface="微软雅黑" pitchFamily="34" charset="-122"/>
+              </a:rPr>
+              <a:t>优点：算法逻辑简单</a:t>
+            </a:r>
+            <a:r>
+              <a:rPr lang="en-US" altLang="zh-CN" sz="4000" dirty="0">
+                <a:solidFill>
+                  <a:schemeClr val="bg1"/>
+                </a:solidFill>
+                <a:latin typeface="微软雅黑" pitchFamily="34" charset="-122"/>
+                <a:ea typeface="微软雅黑" pitchFamily="34" charset="-122"/>
+              </a:rPr>
+              <a:t>,</a:t>
+            </a:r>
+            <a:r>
+              <a:rPr lang="zh-CN" altLang="en-US" sz="4000" dirty="0">
+                <a:solidFill>
+                  <a:schemeClr val="bg1"/>
+                </a:solidFill>
+                <a:latin typeface="微软雅黑" pitchFamily="34" charset="-122"/>
+                <a:ea typeface="微软雅黑" pitchFamily="34" charset="-122"/>
+              </a:rPr>
+              <a:t>易于实现、分类过程中时空开销小、可以应用在数据量大的情况</a:t>
+            </a:r>
+            <a:endParaRPr lang="en-US" altLang="zh-CN" sz="4000" dirty="0">
+              <a:solidFill>
+                <a:schemeClr val="bg1"/>
+              </a:solidFill>
+              <a:latin typeface="微软雅黑" pitchFamily="34" charset="-122"/>
+              <a:ea typeface="微软雅黑" pitchFamily="34" charset="-122"/>
+            </a:endParaRPr>
+          </a:p>
+          <a:p>
+            <a:pPr>
+              <a:defRPr/>
+            </a:pPr>
+            <a:endParaRPr lang="en-US" altLang="zh-CN" sz="4000" dirty="0">
+              <a:solidFill>
+                <a:schemeClr val="bg1"/>
+              </a:solidFill>
+              <a:latin typeface="微软雅黑" pitchFamily="34" charset="-122"/>
+              <a:ea typeface="微软雅黑" pitchFamily="34" charset="-122"/>
+            </a:endParaRPr>
+          </a:p>
+          <a:p>
+            <a:pPr>
+              <a:defRPr/>
+            </a:pPr>
+            <a:r>
+              <a:rPr lang="zh-CN" altLang="en-US" sz="4000" dirty="0">
+                <a:solidFill>
+                  <a:schemeClr val="bg1"/>
+                </a:solidFill>
+                <a:latin typeface="微软雅黑" pitchFamily="34" charset="-122"/>
+                <a:ea typeface="微软雅黑" pitchFamily="34" charset="-122"/>
+              </a:rPr>
+              <a:t>缺点：朴素贝叶斯模型假设属性之间相互独立，这个假设在实际应用中往往是不成立的，在属性个数比较多或者属性之间相关性较大时，分类效果不好</a:t>
+            </a:r>
+            <a:endParaRPr lang="en-US" altLang="zh-CN" sz="4000" dirty="0">
+              <a:solidFill>
+                <a:schemeClr val="bg1"/>
+              </a:solidFill>
+              <a:latin typeface="微软雅黑" pitchFamily="34" charset="-122"/>
+              <a:ea typeface="微软雅黑" pitchFamily="34" charset="-122"/>
+            </a:endParaRPr>
+          </a:p>
+          <a:p>
+            <a:pPr>
+              <a:defRPr/>
+            </a:pPr>
+            <a:endParaRPr lang="en-US" dirty="0">
+              <a:solidFill>
+                <a:schemeClr val="bg1"/>
+              </a:solidFill>
+              <a:latin typeface="Arial" charset="0"/>
+            </a:endParaRPr>
+          </a:p>
+        </p:txBody>
+      </p:sp>
+    </p:spTree>
+    <p:extLst>
+      <p:ext uri="{BB962C8B-B14F-4D97-AF65-F5344CB8AC3E}">
+        <p14:creationId xmlns:p14="http://schemas.microsoft.com/office/powerpoint/2010/main" val="168002711"/>
+      </p:ext>
+    </p:extLst>
+  </p:cSld>
+  <p:clrMapOvr>
+    <a:masterClrMapping/>
+  </p:clrMapOvr>
+  <p:timing>
+    <p:tnLst>
+      <p:par>
+        <p:cTn id="1" dur="indefinite" restart="never" nodeType="tmRoot">
+          <p:childTnLst>
+            <p:seq concurrent="1" nextAc="seek">
+              <p:cTn id="2" dur="indefinite" nodeType="mainSeq">
+                <p:childTnLst>
+                  <p:par>
+                    <p:cTn id="3" fill="hold">
+                      <p:stCondLst>
+                        <p:cond delay="indefinite"/>
+                      </p:stCondLst>
+                      <p:childTnLst>
+                        <p:par>
+                          <p:cTn id="4" fill="hold">
+                            <p:stCondLst>
+                              <p:cond delay="0"/>
+                            </p:stCondLst>
+                            <p:childTnLst>
+                              <p:par>
+                                <p:cTn id="5" presetID="10" presetClass="entr" presetSubtype="0" fill="hold" nodeType="clickEffect">
+                                  <p:stCondLst>
+                                    <p:cond delay="0"/>
+                                  </p:stCondLst>
+                                  <p:childTnLst>
+                                    <p:set>
+                                      <p:cBhvr>
+                                        <p:cTn id="6" dur="1" fill="hold">
+                                          <p:stCondLst>
+                                            <p:cond delay="0"/>
+                                          </p:stCondLst>
+                                        </p:cTn>
+                                        <p:tgtEl>
+                                          <p:spTgt spid="5">
+                                            <p:txEl>
+                                              <p:pRg st="0" end="0"/>
+                                            </p:txEl>
+                                          </p:spTgt>
+                                        </p:tgtEl>
+                                        <p:attrNameLst>
+                                          <p:attrName>style.visibility</p:attrName>
+                                        </p:attrNameLst>
+                                      </p:cBhvr>
+                                      <p:to>
+                                        <p:strVal val="visible"/>
+                                      </p:to>
+                                    </p:set>
+                                    <p:animEffect transition="in" filter="fade">
+                                      <p:cBhvr>
+                                        <p:cTn id="7" dur="500"/>
+                                        <p:tgtEl>
+                                          <p:spTgt spid="5">
+                                            <p:txEl>
+                                              <p:pRg st="0" end="0"/>
+                                            </p:txEl>
+                                          </p:spTgt>
+                                        </p:tgtEl>
+                                      </p:cBhvr>
+                                    </p:animEffect>
+                                  </p:childTnLst>
+                                </p:cTn>
+                              </p:par>
+                            </p:childTnLst>
+                          </p:cTn>
+                        </p:par>
+                      </p:childTnLst>
+                    </p:cTn>
+                  </p:par>
+                  <p:par>
+                    <p:cTn id="8" fill="hold">
+                      <p:stCondLst>
+                        <p:cond delay="indefinite"/>
+                      </p:stCondLst>
+                      <p:childTnLst>
+                        <p:par>
+                          <p:cTn id="9" fill="hold">
+                            <p:stCondLst>
+                              <p:cond delay="0"/>
+                            </p:stCondLst>
+                            <p:childTnLst>
+                              <p:par>
+                                <p:cTn id="10" presetID="10" presetClass="entr" presetSubtype="0" fill="hold" nodeType="clickEffect">
+                                  <p:stCondLst>
+                                    <p:cond delay="0"/>
+                                  </p:stCondLst>
+                                  <p:childTnLst>
+                                    <p:set>
+                                      <p:cBhvr>
+                                        <p:cTn id="11" dur="1" fill="hold">
+                                          <p:stCondLst>
+                                            <p:cond delay="0"/>
+                                          </p:stCondLst>
+                                        </p:cTn>
+                                        <p:tgtEl>
+                                          <p:spTgt spid="5">
+                                            <p:txEl>
+                                              <p:pRg st="2" end="2"/>
+                                            </p:txEl>
+                                          </p:spTgt>
+                                        </p:tgtEl>
+                                        <p:attrNameLst>
+                                          <p:attrName>style.visibility</p:attrName>
+                                        </p:attrNameLst>
+                                      </p:cBhvr>
+                                      <p:to>
+                                        <p:strVal val="visible"/>
+                                      </p:to>
+                                    </p:set>
+                                    <p:animEffect transition="in" filter="fade">
+                                      <p:cBhvr>
+                                        <p:cTn id="12" dur="500"/>
+                                        <p:tgtEl>
+                                          <p:spTgt spid="5">
+                                            <p:txEl>
+                                              <p:pRg st="2" end="2"/>
+                                            </p:txEl>
+                                          </p:spTgt>
+                                        </p:tgtEl>
+                                      </p:cBhvr>
+                                    </p:animEffect>
+                                  </p:childTnLst>
+                                </p:cTn>
+                              </p:par>
+                            </p:childTnLst>
+                          </p:cTn>
+                        </p:par>
+                      </p:childTnLst>
+                    </p:cTn>
+                  </p:par>
+                </p:childTnLst>
+              </p:cTn>
+              <p:prevCondLst>
+                <p:cond evt="onPrev" delay="0">
+                  <p:tgtEl>
+                    <p:sldTgt/>
+                  </p:tgtEl>
+                </p:cond>
+              </p:prevCondLst>
+              <p:nextCondLst>
+                <p:cond evt="onNext" delay="0">
+                  <p:tgtEl>
+                    <p:sldTgt/>
+                  </p:tgtEl>
+                </p:cond>
+              </p:nextCondLst>
+            </p:seq>
+          </p:childTnLst>
+        </p:cTn>
+      </p:par>
+    </p:tnLst>
+  </p:timing>
+</p:sld>
+</file>
+
+<file path=ppt/slides/slide26.xml><?xml version="1.0" encoding="utf-8"?>
 <p:sld xmlns:a="http://schemas.openxmlformats.org/drawingml/2006/main" xmlns:r="http://schemas.openxmlformats.org/officeDocument/2006/relationships" xmlns:p="http://schemas.openxmlformats.org/presentationml/2006/main">
   <p:cSld>
     <p:spTree>
@@ -20035,8 +22468,8 @@
           </a:p>
         </p:txBody>
       </p:sp>
-      <mc:AlternateContent xmlns:mc="http://schemas.openxmlformats.org/markup-compatibility/2006">
-        <mc:Choice xmlns:a14="http://schemas.microsoft.com/office/drawing/2010/main" Requires="a14">
+      <mc:AlternateContent xmlns:mc="http://schemas.openxmlformats.org/markup-compatibility/2006" xmlns:a14="http://schemas.microsoft.com/office/drawing/2010/main">
+        <mc:Choice Requires="a14">
           <p:sp>
             <p:nvSpPr>
               <p:cNvPr id="5" name="TextBox 4">
@@ -20468,7 +22901,7 @@
                               <a:latin typeface="Cambria Math" panose="02040503050406030204" pitchFamily="18" charset="0"/>
                               <a:ea typeface="微软雅黑" pitchFamily="34" charset="-122"/>
                             </a:rPr>
-                            <m:t>*</m:t>
+                            <m:t>∗</m:t>
                           </m:r>
                           <m:r>
                             <a:rPr lang="en-US" altLang="zh-CN" sz="4800" i="1">
@@ -20579,7 +23012,7 @@
             </p:txBody>
           </p:sp>
         </mc:Choice>
-        <mc:Fallback>
+        <mc:Fallback xmlns="">
           <p:sp>
             <p:nvSpPr>
               <p:cNvPr id="5" name="TextBox 4">

--- a/chapter.2/ppt/ML_CH2.3_Naive_Bayes.pptx
+++ b/chapter.2/ppt/ML_CH2.3_Naive_Bayes.pptx
@@ -16835,7 +16835,7 @@
         <p:spPr>
           <a:xfrm>
             <a:off x="117739" y="908720"/>
-            <a:ext cx="8569325" cy="5293757"/>
+            <a:ext cx="8569325" cy="4062651"/>
           </a:xfrm>
           <a:prstGeom prst="rect">
             <a:avLst/>
@@ -16977,7 +16977,7 @@
                 <a:latin typeface="微软雅黑" pitchFamily="34" charset="-122"/>
                 <a:ea typeface="微软雅黑" pitchFamily="34" charset="-122"/>
               </a:rPr>
-              <a:t>平滑技术</a:t>
+              <a:t>朴素贝叶斯的优缺点</a:t>
             </a:r>
             <a:endParaRPr lang="en-US" altLang="zh-CN" sz="4000" dirty="0">
               <a:solidFill>
@@ -16994,14 +16994,14 @@
               <a:defRPr/>
             </a:pPr>
             <a:r>
-              <a:rPr lang="zh-CN" altLang="en-US" sz="4000" dirty="0">
+              <a:rPr lang="en-US" altLang="zh-CN" sz="4000">
                 <a:solidFill>
                   <a:schemeClr val="bg1"/>
                 </a:solidFill>
                 <a:latin typeface="微软雅黑" pitchFamily="34" charset="-122"/>
                 <a:ea typeface="微软雅黑" pitchFamily="34" charset="-122"/>
               </a:rPr>
-              <a:t>朴素贝叶斯的优缺点</a:t>
+              <a:t>Example</a:t>
             </a:r>
             <a:endParaRPr lang="en-US" altLang="zh-CN" sz="4000" dirty="0">
               <a:solidFill>
@@ -17010,67 +17010,6 @@
               <a:latin typeface="微软雅黑" pitchFamily="34" charset="-122"/>
               <a:ea typeface="微软雅黑" pitchFamily="34" charset="-122"/>
             </a:endParaRPr>
-          </a:p>
-          <a:p>
-            <a:pPr marL="571500" indent="-571500">
-              <a:buFont typeface="Wingdings" panose="05000000000000000000" pitchFamily="2" charset="2"/>
-              <a:buChar char="§"/>
-              <a:defRPr/>
-            </a:pPr>
-            <a:r>
-              <a:rPr lang="zh-CN" altLang="en-US" sz="4000" dirty="0">
-                <a:solidFill>
-                  <a:schemeClr val="bg1"/>
-                </a:solidFill>
-                <a:latin typeface="微软雅黑" pitchFamily="34" charset="-122"/>
-                <a:ea typeface="微软雅黑" pitchFamily="34" charset="-122"/>
-              </a:rPr>
-              <a:t>朴素贝叶斯与</a:t>
-            </a:r>
-            <a:r>
-              <a:rPr lang="en-US" altLang="zh-CN" sz="4000" dirty="0">
-                <a:solidFill>
-                  <a:schemeClr val="bg1"/>
-                </a:solidFill>
-                <a:latin typeface="微软雅黑" pitchFamily="34" charset="-122"/>
-                <a:ea typeface="微软雅黑" pitchFamily="34" charset="-122"/>
-              </a:rPr>
-              <a:t>LR</a:t>
-            </a:r>
-            <a:r>
-              <a:rPr lang="zh-CN" altLang="en-US" sz="4000" dirty="0">
-                <a:solidFill>
-                  <a:schemeClr val="bg1"/>
-                </a:solidFill>
-                <a:latin typeface="微软雅黑" pitchFamily="34" charset="-122"/>
-                <a:ea typeface="微软雅黑" pitchFamily="34" charset="-122"/>
-              </a:rPr>
-              <a:t>的区别</a:t>
-            </a:r>
-            <a:endParaRPr lang="en-US" altLang="zh-CN" sz="4000" dirty="0">
-              <a:solidFill>
-                <a:schemeClr val="bg1"/>
-              </a:solidFill>
-              <a:latin typeface="微软雅黑" pitchFamily="34" charset="-122"/>
-              <a:ea typeface="微软雅黑" pitchFamily="34" charset="-122"/>
-            </a:endParaRPr>
-          </a:p>
-          <a:p>
-            <a:pPr marL="571500" indent="-571500">
-              <a:buFont typeface="Wingdings" panose="05000000000000000000" pitchFamily="2" charset="2"/>
-              <a:buChar char="§"/>
-              <a:defRPr/>
-            </a:pPr>
-            <a:r>
-              <a:rPr lang="en-US" altLang="zh-CN" sz="4000" dirty="0">
-                <a:solidFill>
-                  <a:schemeClr val="bg1"/>
-                </a:solidFill>
-                <a:latin typeface="微软雅黑" pitchFamily="34" charset="-122"/>
-                <a:ea typeface="微软雅黑" pitchFamily="34" charset="-122"/>
-              </a:rPr>
-              <a:t>Example</a:t>
-            </a:r>
           </a:p>
           <a:p>
             <a:pPr marL="571500" indent="-571500">

--- a/chapter.2/ppt/ML_CH2.3_Naive_Bayes.pptx
+++ b/chapter.2/ppt/ML_CH2.3_Naive_Bayes.pptx
@@ -8473,6 +8473,23 @@
                 <a:ea typeface="微软雅黑" panose="020B0503020204020204" pitchFamily="34" charset="-122"/>
               </a:rPr>
               <a:t>朴素贝叶斯</a:t>
+            </a:r>
+            <a:br>
+              <a:rPr lang="en-US" altLang="zh-CN" sz="6600" dirty="0">
+                <a:solidFill>
+                  <a:schemeClr val="bg1"/>
+                </a:solidFill>
+                <a:ea typeface="微软雅黑" panose="020B0503020204020204" pitchFamily="34" charset="-122"/>
+              </a:rPr>
+            </a:br>
+            <a:r>
+              <a:rPr lang="en-US" altLang="zh-CN" sz="6600" dirty="0">
+                <a:solidFill>
+                  <a:schemeClr val="bg1"/>
+                </a:solidFill>
+                <a:ea typeface="微软雅黑" panose="020B0503020204020204" pitchFamily="34" charset="-122"/>
+              </a:rPr>
+              <a:t>Naïve Bayes</a:t>
             </a:r>
             <a:br>
               <a:rPr lang="zh-CN" altLang="en-US" sz="7200" dirty="0">
@@ -16994,7 +17011,7 @@
               <a:defRPr/>
             </a:pPr>
             <a:r>
-              <a:rPr lang="en-US" altLang="zh-CN" sz="4000">
+              <a:rPr lang="en-US" altLang="zh-CN" sz="4000" dirty="0">
                 <a:solidFill>
                   <a:schemeClr val="bg1"/>
                 </a:solidFill>
@@ -17003,13 +17020,6 @@
               </a:rPr>
               <a:t>Example</a:t>
             </a:r>
-            <a:endParaRPr lang="en-US" altLang="zh-CN" sz="4000" dirty="0">
-              <a:solidFill>
-                <a:schemeClr val="bg1"/>
-              </a:solidFill>
-              <a:latin typeface="微软雅黑" pitchFamily="34" charset="-122"/>
-              <a:ea typeface="微软雅黑" pitchFamily="34" charset="-122"/>
-            </a:endParaRPr>
           </a:p>
           <a:p>
             <a:pPr marL="571500" indent="-571500">

--- a/chapter.2/ppt/ML_CH2.3_Naive_Bayes.pptx
+++ b/chapter.2/ppt/ML_CH2.3_Naive_Bayes.pptx
@@ -22417,8 +22417,8 @@
           </a:p>
         </p:txBody>
       </p:sp>
-      <mc:AlternateContent xmlns:mc="http://schemas.openxmlformats.org/markup-compatibility/2006" xmlns:a14="http://schemas.microsoft.com/office/drawing/2010/main">
-        <mc:Choice Requires="a14">
+      <mc:AlternateContent xmlns:mc="http://schemas.openxmlformats.org/markup-compatibility/2006">
+        <mc:Choice xmlns:a14="http://schemas.microsoft.com/office/drawing/2010/main" Requires="a14">
           <p:sp>
             <p:nvSpPr>
               <p:cNvPr id="5" name="TextBox 4">
@@ -22433,7 +22433,7 @@
             </p:nvSpPr>
             <p:spPr>
               <a:xfrm>
-                <a:off x="0" y="807815"/>
+                <a:off x="0" y="188640"/>
                 <a:ext cx="9144000" cy="5088701"/>
               </a:xfrm>
               <a:prstGeom prst="rect">
@@ -22700,7 +22700,7 @@
                     </m:oMathParaPr>
                     <m:oMath xmlns:m="http://schemas.openxmlformats.org/officeDocument/2006/math">
                       <m:r>
-                        <a:rPr lang="en-US" altLang="zh-CN" sz="4800" b="0" i="1" smtClean="0">
+                        <a:rPr lang="en-US" altLang="zh-CN" sz="4800" i="1">
                           <a:solidFill>
                             <a:schemeClr val="bg1"/>
                           </a:solidFill>
@@ -22710,7 +22710,7 @@
                         <m:t>𝑃</m:t>
                       </m:r>
                       <m:r>
-                        <a:rPr lang="en-US" altLang="zh-CN" sz="4800" b="0" i="1" smtClean="0">
+                        <a:rPr lang="en-US" altLang="zh-CN" sz="4800" i="1">
                           <a:solidFill>
                             <a:schemeClr val="bg1"/>
                           </a:solidFill>
@@ -22730,7 +22730,7 @@
                         <m:t>嫁</m:t>
                       </m:r>
                       <m:r>
-                        <a:rPr lang="en-US" altLang="zh-CN" sz="4800" i="1" smtClean="0">
+                        <a:rPr lang="en-US" altLang="zh-CN" sz="4800" i="1">
                           <a:solidFill>
                             <a:schemeClr val="bg1"/>
                           </a:solidFill>
@@ -22750,29 +22750,19 @@
                         <m:t>帅</m:t>
                       </m:r>
                       <m:r>
-                        <a:rPr lang="en-US" altLang="zh-CN" sz="4800" b="0" i="1" smtClean="0">
+                        <a:rPr lang="en-US" altLang="zh-CN" sz="4800" i="1">
                           <a:solidFill>
                             <a:schemeClr val="bg1"/>
                           </a:solidFill>
                           <a:latin typeface="Cambria Math" panose="02040503050406030204" pitchFamily="18" charset="0"/>
                           <a:ea typeface="微软雅黑" pitchFamily="34" charset="-122"/>
                         </a:rPr>
-                        <m:t>)</m:t>
-                      </m:r>
-                      <m:r>
-                        <a:rPr lang="en-US" altLang="zh-CN" sz="4800" i="1" smtClean="0">
-                          <a:solidFill>
-                            <a:schemeClr val="bg1"/>
-                          </a:solidFill>
-                          <a:latin typeface="Cambria Math" panose="02040503050406030204" pitchFamily="18" charset="0"/>
-                          <a:ea typeface="微软雅黑" pitchFamily="34" charset="-122"/>
-                        </a:rPr>
-                        <m:t>=</m:t>
+                        <m:t>)=</m:t>
                       </m:r>
                       <m:f>
                         <m:fPr>
                           <m:ctrlPr>
-                            <a:rPr lang="en-US" altLang="zh-CN" sz="4800" i="1" smtClean="0">
+                            <a:rPr lang="en-US" altLang="zh-CN" sz="4800" i="1">
                               <a:solidFill>
                                 <a:schemeClr val="bg1"/>
                               </a:solidFill>
@@ -22783,7 +22773,7 @@
                         </m:fPr>
                         <m:num>
                           <m:r>
-                            <a:rPr lang="en-US" altLang="zh-CN" sz="4800" b="0" i="1" smtClean="0">
+                            <a:rPr lang="en-US" altLang="zh-CN" sz="4800" i="1">
                               <a:solidFill>
                                 <a:schemeClr val="bg1"/>
                               </a:solidFill>
@@ -22793,7 +22783,7 @@
                             <m:t>𝑃</m:t>
                           </m:r>
                           <m:r>
-                            <a:rPr lang="en-US" altLang="zh-CN" sz="4800" b="0" i="1" smtClean="0">
+                            <a:rPr lang="en-US" altLang="zh-CN" sz="4800" i="1">
                               <a:solidFill>
                                 <a:schemeClr val="bg1"/>
                               </a:solidFill>
@@ -22813,7 +22803,7 @@
                             <m:t>帅</m:t>
                           </m:r>
                           <m:r>
-                            <a:rPr lang="en-US" altLang="zh-CN" sz="4800" i="1" smtClean="0">
+                            <a:rPr lang="en-US" altLang="zh-CN" sz="4800" i="1">
                               <a:solidFill>
                                 <a:schemeClr val="bg1"/>
                               </a:solidFill>
@@ -22833,7 +22823,7 @@
                             <m:t>嫁</m:t>
                           </m:r>
                           <m:r>
-                            <a:rPr lang="en-US" altLang="zh-CN" sz="4800" b="0" i="1" smtClean="0">
+                            <a:rPr lang="en-US" altLang="zh-CN" sz="4800" i="1">
                               <a:solidFill>
                                 <a:schemeClr val="bg1"/>
                               </a:solidFill>
@@ -22895,7 +22885,7 @@
                         </m:num>
                         <m:den>
                           <m:r>
-                            <a:rPr lang="en-US" altLang="zh-CN" sz="4800" b="0" i="1" smtClean="0">
+                            <a:rPr lang="en-US" altLang="zh-CN" sz="4800" i="1">
                               <a:solidFill>
                                 <a:schemeClr val="bg1"/>
                               </a:solidFill>
@@ -22905,7 +22895,7 @@
                             <m:t>𝑃</m:t>
                           </m:r>
                           <m:r>
-                            <a:rPr lang="en-US" altLang="zh-CN" sz="4800" b="0" i="1" smtClean="0">
+                            <a:rPr lang="en-US" altLang="zh-CN" sz="4800" i="1">
                               <a:solidFill>
                                 <a:schemeClr val="bg1"/>
                               </a:solidFill>
@@ -22925,7 +22915,7 @@
                             <m:t>帅</m:t>
                           </m:r>
                           <m:r>
-                            <a:rPr lang="en-US" altLang="zh-CN" sz="4800" b="0" i="1" smtClean="0">
+                            <a:rPr lang="en-US" altLang="zh-CN" sz="4800" i="1">
                               <a:solidFill>
                                 <a:schemeClr val="bg1"/>
                               </a:solidFill>
@@ -22961,7 +22951,7 @@
             </p:txBody>
           </p:sp>
         </mc:Choice>
-        <mc:Fallback xmlns="">
+        <mc:Fallback>
           <p:sp>
             <p:nvSpPr>
               <p:cNvPr id="5" name="TextBox 4">
@@ -22978,7 +22968,7 @@
             </p:nvSpPr>
             <p:spPr>
               <a:xfrm>
-                <a:off x="0" y="807815"/>
+                <a:off x="0" y="188640"/>
                 <a:ext cx="9144000" cy="5088701"/>
               </a:xfrm>
               <a:prstGeom prst="rect">
@@ -23020,7 +23010,7 @@
         </p:nvSpPr>
         <p:spPr>
           <a:xfrm rot="10800000">
-            <a:off x="827584" y="2151578"/>
+            <a:off x="827584" y="1532403"/>
             <a:ext cx="484632" cy="485333"/>
           </a:xfrm>
           <a:prstGeom prst="downArrow">
@@ -23066,7 +23056,7 @@
         </p:nvSpPr>
         <p:spPr>
           <a:xfrm rot="10800000">
-            <a:off x="2771800" y="2131351"/>
+            <a:off x="2771800" y="1512176"/>
             <a:ext cx="484632" cy="505559"/>
           </a:xfrm>
           <a:prstGeom prst="downArrow">
@@ -23112,7 +23102,7 @@
         </p:nvSpPr>
         <p:spPr>
           <a:xfrm rot="10800000">
-            <a:off x="5076056" y="2131351"/>
+            <a:off x="5076056" y="1512176"/>
             <a:ext cx="484632" cy="505559"/>
           </a:xfrm>
           <a:prstGeom prst="downArrow">
@@ -23158,7 +23148,7 @@
         </p:nvSpPr>
         <p:spPr>
           <a:xfrm rot="10800000">
-            <a:off x="7082647" y="2131351"/>
+            <a:off x="7082647" y="1512176"/>
             <a:ext cx="484632" cy="505559"/>
           </a:xfrm>
           <a:prstGeom prst="downArrow">
@@ -23190,6 +23180,351 @@
           </a:p>
         </p:txBody>
       </p:sp>
+      <mc:AlternateContent xmlns:mc="http://schemas.openxmlformats.org/markup-compatibility/2006">
+        <mc:Choice xmlns:a14="http://schemas.microsoft.com/office/drawing/2010/main" Requires="a14">
+          <p:sp>
+            <p:nvSpPr>
+              <p:cNvPr id="4" name="Rectangle 3">
+                <a:extLst>
+                  <a:ext uri="{FF2B5EF4-FFF2-40B4-BE49-F238E27FC236}">
+                    <a16:creationId xmlns:a16="http://schemas.microsoft.com/office/drawing/2014/main" id="{7080DB13-140B-4CF3-A05E-C4E9D8DBDBD9}"/>
+                  </a:ext>
+                </a:extLst>
+              </p:cNvPr>
+              <p:cNvSpPr/>
+              <p:nvPr/>
+            </p:nvSpPr>
+            <p:spPr>
+              <a:xfrm>
+                <a:off x="755576" y="5111974"/>
+                <a:ext cx="7704856" cy="1323439"/>
+              </a:xfrm>
+              <a:prstGeom prst="rect">
+                <a:avLst/>
+              </a:prstGeom>
+            </p:spPr>
+            <p:txBody>
+              <a:bodyPr wrap="square">
+                <a:spAutoFit/>
+              </a:bodyPr>
+              <a:lstStyle/>
+              <a:p>
+                <a14:m>
+                  <m:oMathPara xmlns:m="http://schemas.openxmlformats.org/officeDocument/2006/math">
+                    <m:oMathParaPr>
+                      <m:jc m:val="centerGroup"/>
+                    </m:oMathParaPr>
+                    <m:oMath xmlns:m="http://schemas.openxmlformats.org/officeDocument/2006/math">
+                      <m:r>
+                        <a:rPr lang="en-US" altLang="zh-CN" sz="3600" i="1">
+                          <a:solidFill>
+                            <a:schemeClr val="bg1"/>
+                          </a:solidFill>
+                          <a:latin typeface="Cambria Math" panose="02040503050406030204" pitchFamily="18" charset="0"/>
+                          <a:ea typeface="微软雅黑" pitchFamily="34" charset="-122"/>
+                        </a:rPr>
+                        <m:t>𝑃</m:t>
+                      </m:r>
+                      <m:r>
+                        <a:rPr lang="en-US" altLang="zh-CN" sz="3600" i="1">
+                          <a:solidFill>
+                            <a:schemeClr val="bg1"/>
+                          </a:solidFill>
+                          <a:latin typeface="Cambria Math" panose="02040503050406030204" pitchFamily="18" charset="0"/>
+                          <a:ea typeface="微软雅黑" pitchFamily="34" charset="-122"/>
+                        </a:rPr>
+                        <m:t>(</m:t>
+                      </m:r>
+                      <m:r>
+                        <a:rPr lang="zh-CN" altLang="en-US" sz="3600" i="1" smtClean="0">
+                          <a:solidFill>
+                            <a:schemeClr val="bg1"/>
+                          </a:solidFill>
+                          <a:latin typeface="Cambria Math" panose="02040503050406030204" pitchFamily="18" charset="0"/>
+                          <a:ea typeface="微软雅黑" pitchFamily="34" charset="-122"/>
+                        </a:rPr>
+                        <m:t>不</m:t>
+                      </m:r>
+                      <m:r>
+                        <a:rPr lang="zh-CN" altLang="en-US" sz="3600" i="1">
+                          <a:solidFill>
+                            <a:schemeClr val="bg1"/>
+                          </a:solidFill>
+                          <a:latin typeface="Cambria Math" panose="02040503050406030204" pitchFamily="18" charset="0"/>
+                          <a:ea typeface="微软雅黑" pitchFamily="34" charset="-122"/>
+                        </a:rPr>
+                        <m:t>嫁</m:t>
+                      </m:r>
+                      <m:r>
+                        <a:rPr lang="en-US" altLang="zh-CN" sz="3600" i="1">
+                          <a:solidFill>
+                            <a:schemeClr val="bg1"/>
+                          </a:solidFill>
+                          <a:latin typeface="Cambria Math" panose="02040503050406030204" pitchFamily="18" charset="0"/>
+                          <a:ea typeface="微软雅黑" pitchFamily="34" charset="-122"/>
+                        </a:rPr>
+                        <m:t>|</m:t>
+                      </m:r>
+                      <m:r>
+                        <a:rPr lang="zh-CN" altLang="en-US" sz="3600" i="1">
+                          <a:solidFill>
+                            <a:schemeClr val="bg1"/>
+                          </a:solidFill>
+                          <a:latin typeface="Cambria Math" panose="02040503050406030204" pitchFamily="18" charset="0"/>
+                          <a:ea typeface="微软雅黑" pitchFamily="34" charset="-122"/>
+                        </a:rPr>
+                        <m:t>帅</m:t>
+                      </m:r>
+                      <m:r>
+                        <a:rPr lang="en-US" altLang="zh-CN" sz="3600" i="1">
+                          <a:solidFill>
+                            <a:schemeClr val="bg1"/>
+                          </a:solidFill>
+                          <a:latin typeface="Cambria Math" panose="02040503050406030204" pitchFamily="18" charset="0"/>
+                          <a:ea typeface="微软雅黑" pitchFamily="34" charset="-122"/>
+                        </a:rPr>
+                        <m:t>)=</m:t>
+                      </m:r>
+                      <m:f>
+                        <m:fPr>
+                          <m:ctrlPr>
+                            <a:rPr lang="en-US" altLang="zh-CN" sz="3600" i="1">
+                              <a:solidFill>
+                                <a:schemeClr val="bg1"/>
+                              </a:solidFill>
+                              <a:latin typeface="Cambria Math" panose="02040503050406030204" pitchFamily="18" charset="0"/>
+                              <a:ea typeface="微软雅黑" pitchFamily="34" charset="-122"/>
+                            </a:rPr>
+                          </m:ctrlPr>
+                        </m:fPr>
+                        <m:num>
+                          <m:r>
+                            <a:rPr lang="en-US" altLang="zh-CN" sz="3600" i="1">
+                              <a:solidFill>
+                                <a:schemeClr val="bg1"/>
+                              </a:solidFill>
+                              <a:latin typeface="Cambria Math" panose="02040503050406030204" pitchFamily="18" charset="0"/>
+                              <a:ea typeface="微软雅黑" pitchFamily="34" charset="-122"/>
+                            </a:rPr>
+                            <m:t>𝑃</m:t>
+                          </m:r>
+                          <m:r>
+                            <a:rPr lang="en-US" altLang="zh-CN" sz="3600" i="1">
+                              <a:solidFill>
+                                <a:schemeClr val="bg1"/>
+                              </a:solidFill>
+                              <a:latin typeface="Cambria Math" panose="02040503050406030204" pitchFamily="18" charset="0"/>
+                              <a:ea typeface="微软雅黑" pitchFamily="34" charset="-122"/>
+                            </a:rPr>
+                            <m:t>(</m:t>
+                          </m:r>
+                          <m:r>
+                            <a:rPr lang="zh-CN" altLang="en-US" sz="3600" i="1">
+                              <a:solidFill>
+                                <a:schemeClr val="bg1"/>
+                              </a:solidFill>
+                              <a:latin typeface="Cambria Math" panose="02040503050406030204" pitchFamily="18" charset="0"/>
+                              <a:ea typeface="微软雅黑" pitchFamily="34" charset="-122"/>
+                            </a:rPr>
+                            <m:t>帅</m:t>
+                          </m:r>
+                          <m:r>
+                            <a:rPr lang="en-US" altLang="zh-CN" sz="3600" i="1">
+                              <a:solidFill>
+                                <a:schemeClr val="bg1"/>
+                              </a:solidFill>
+                              <a:latin typeface="Cambria Math" panose="02040503050406030204" pitchFamily="18" charset="0"/>
+                              <a:ea typeface="微软雅黑" pitchFamily="34" charset="-122"/>
+                            </a:rPr>
+                            <m:t>|</m:t>
+                          </m:r>
+                          <m:r>
+                            <a:rPr lang="zh-CN" altLang="en-US" sz="3600" i="1" smtClean="0">
+                              <a:solidFill>
+                                <a:schemeClr val="bg1"/>
+                              </a:solidFill>
+                              <a:latin typeface="Cambria Math" panose="02040503050406030204" pitchFamily="18" charset="0"/>
+                              <a:ea typeface="微软雅黑" pitchFamily="34" charset="-122"/>
+                            </a:rPr>
+                            <m:t>不</m:t>
+                          </m:r>
+                          <m:r>
+                            <a:rPr lang="zh-CN" altLang="en-US" sz="3600" i="1">
+                              <a:solidFill>
+                                <a:schemeClr val="bg1"/>
+                              </a:solidFill>
+                              <a:latin typeface="Cambria Math" panose="02040503050406030204" pitchFamily="18" charset="0"/>
+                              <a:ea typeface="微软雅黑" pitchFamily="34" charset="-122"/>
+                            </a:rPr>
+                            <m:t>嫁</m:t>
+                          </m:r>
+                          <m:r>
+                            <a:rPr lang="en-US" altLang="zh-CN" sz="3600" i="1">
+                              <a:solidFill>
+                                <a:schemeClr val="bg1"/>
+                              </a:solidFill>
+                              <a:latin typeface="Cambria Math" panose="02040503050406030204" pitchFamily="18" charset="0"/>
+                              <a:ea typeface="微软雅黑" pitchFamily="34" charset="-122"/>
+                            </a:rPr>
+                            <m:t>)</m:t>
+                          </m:r>
+                          <m:r>
+                            <a:rPr lang="zh-CN" altLang="en-US" sz="3600" i="1">
+                              <a:solidFill>
+                                <a:schemeClr val="bg1"/>
+                              </a:solidFill>
+                              <a:latin typeface="Cambria Math" panose="02040503050406030204" pitchFamily="18" charset="0"/>
+                              <a:ea typeface="微软雅黑" pitchFamily="34" charset="-122"/>
+                            </a:rPr>
+                            <m:t>∗</m:t>
+                          </m:r>
+                          <m:r>
+                            <a:rPr lang="en-US" altLang="zh-CN" sz="3600" i="1">
+                              <a:solidFill>
+                                <a:schemeClr val="bg1"/>
+                              </a:solidFill>
+                              <a:latin typeface="Cambria Math" panose="02040503050406030204" pitchFamily="18" charset="0"/>
+                              <a:ea typeface="微软雅黑" pitchFamily="34" charset="-122"/>
+                            </a:rPr>
+                            <m:t>𝑃</m:t>
+                          </m:r>
+                          <m:r>
+                            <a:rPr lang="en-US" altLang="zh-CN" sz="3600" i="1">
+                              <a:solidFill>
+                                <a:schemeClr val="bg1"/>
+                              </a:solidFill>
+                              <a:latin typeface="Cambria Math" panose="02040503050406030204" pitchFamily="18" charset="0"/>
+                              <a:ea typeface="微软雅黑" pitchFamily="34" charset="-122"/>
+                            </a:rPr>
+                            <m:t>(</m:t>
+                          </m:r>
+                          <m:r>
+                            <a:rPr lang="zh-CN" altLang="en-US" sz="3600" i="1">
+                              <a:solidFill>
+                                <a:schemeClr val="bg1"/>
+                              </a:solidFill>
+                              <a:latin typeface="Cambria Math" panose="02040503050406030204" pitchFamily="18" charset="0"/>
+                              <a:ea typeface="微软雅黑" pitchFamily="34" charset="-122"/>
+                            </a:rPr>
+                            <m:t>不</m:t>
+                          </m:r>
+                          <m:r>
+                            <a:rPr lang="zh-CN" altLang="en-US" sz="3600" i="1">
+                              <a:solidFill>
+                                <a:schemeClr val="bg1"/>
+                              </a:solidFill>
+                              <a:latin typeface="Cambria Math" panose="02040503050406030204" pitchFamily="18" charset="0"/>
+                              <a:ea typeface="微软雅黑" pitchFamily="34" charset="-122"/>
+                            </a:rPr>
+                            <m:t>嫁</m:t>
+                          </m:r>
+                          <m:r>
+                            <a:rPr lang="en-US" altLang="zh-CN" sz="3600" i="1">
+                              <a:solidFill>
+                                <a:schemeClr val="bg1"/>
+                              </a:solidFill>
+                              <a:latin typeface="Cambria Math" panose="02040503050406030204" pitchFamily="18" charset="0"/>
+                              <a:ea typeface="微软雅黑" pitchFamily="34" charset="-122"/>
+                            </a:rPr>
+                            <m:t>)</m:t>
+                          </m:r>
+                        </m:num>
+                        <m:den>
+                          <m:r>
+                            <a:rPr lang="en-US" altLang="zh-CN" sz="3600" i="1">
+                              <a:solidFill>
+                                <a:schemeClr val="bg1"/>
+                              </a:solidFill>
+                              <a:latin typeface="Cambria Math" panose="02040503050406030204" pitchFamily="18" charset="0"/>
+                              <a:ea typeface="微软雅黑" pitchFamily="34" charset="-122"/>
+                            </a:rPr>
+                            <m:t>𝑃</m:t>
+                          </m:r>
+                          <m:r>
+                            <a:rPr lang="en-US" altLang="zh-CN" sz="3600" i="1">
+                              <a:solidFill>
+                                <a:schemeClr val="bg1"/>
+                              </a:solidFill>
+                              <a:latin typeface="Cambria Math" panose="02040503050406030204" pitchFamily="18" charset="0"/>
+                              <a:ea typeface="微软雅黑" pitchFamily="34" charset="-122"/>
+                            </a:rPr>
+                            <m:t>(</m:t>
+                          </m:r>
+                          <m:r>
+                            <a:rPr lang="zh-CN" altLang="en-US" sz="3600" i="1">
+                              <a:solidFill>
+                                <a:schemeClr val="bg1"/>
+                              </a:solidFill>
+                              <a:latin typeface="Cambria Math" panose="02040503050406030204" pitchFamily="18" charset="0"/>
+                              <a:ea typeface="微软雅黑" pitchFamily="34" charset="-122"/>
+                            </a:rPr>
+                            <m:t>帅</m:t>
+                          </m:r>
+                          <m:r>
+                            <a:rPr lang="en-US" altLang="zh-CN" sz="3600" i="1">
+                              <a:solidFill>
+                                <a:schemeClr val="bg1"/>
+                              </a:solidFill>
+                              <a:latin typeface="Cambria Math" panose="02040503050406030204" pitchFamily="18" charset="0"/>
+                              <a:ea typeface="微软雅黑" pitchFamily="34" charset="-122"/>
+                            </a:rPr>
+                            <m:t>)</m:t>
+                          </m:r>
+                        </m:den>
+                      </m:f>
+                    </m:oMath>
+                  </m:oMathPara>
+                </a14:m>
+                <a:endParaRPr lang="en-US" sz="3600" dirty="0"/>
+              </a:p>
+            </p:txBody>
+          </p:sp>
+        </mc:Choice>
+        <mc:Fallback>
+          <p:sp>
+            <p:nvSpPr>
+              <p:cNvPr id="4" name="Rectangle 3">
+                <a:extLst>
+                  <a:ext uri="{FF2B5EF4-FFF2-40B4-BE49-F238E27FC236}">
+                    <a16:creationId xmlns:a16="http://schemas.microsoft.com/office/drawing/2014/main" id="{7080DB13-140B-4CF3-A05E-C4E9D8DBDBD9}"/>
+                  </a:ext>
+                </a:extLst>
+              </p:cNvPr>
+              <p:cNvSpPr>
+                <a:spLocks noRot="1" noChangeAspect="1" noMove="1" noResize="1" noEditPoints="1" noAdjustHandles="1" noChangeArrowheads="1" noChangeShapeType="1" noTextEdit="1"/>
+              </p:cNvSpPr>
+              <p:nvPr/>
+            </p:nvSpPr>
+            <p:spPr>
+              <a:xfrm>
+                <a:off x="755576" y="5111974"/>
+                <a:ext cx="7704856" cy="1323439"/>
+              </a:xfrm>
+              <a:prstGeom prst="rect">
+                <a:avLst/>
+              </a:prstGeom>
+              <a:blipFill>
+                <a:blip r:embed="rId3"/>
+                <a:stretch>
+                  <a:fillRect/>
+                </a:stretch>
+              </a:blipFill>
+            </p:spPr>
+            <p:txBody>
+              <a:bodyPr/>
+              <a:lstStyle/>
+              <a:p>
+                <a:r>
+                  <a:rPr lang="en-US">
+                    <a:noFill/>
+                  </a:rPr>
+                  <a:t> </a:t>
+                </a:r>
+              </a:p>
+            </p:txBody>
+          </p:sp>
+        </mc:Fallback>
+      </mc:AlternateContent>
     </p:spTree>
     <p:extLst>
       <p:ext uri="{BB962C8B-B14F-4D97-AF65-F5344CB8AC3E}">
